--- a/resume/Introduction-to-Language-Translators (1).pptx
+++ b/resume/Introduction-to-Language-Translators (1).pptx
@@ -1407,8 +1407,8 @@
         </p:nvSpPr>
         <p:spPr>
           <a:xfrm>
-            <a:off x="6350437" y="1937623"/>
-            <a:ext cx="7415927" cy="3193971"/>
+            <a:off x="5655310" y="1937385"/>
+            <a:ext cx="8806180" cy="3194050"/>
           </a:xfrm>
           <a:prstGeom prst="rect">
             <a:avLst/>
@@ -1434,7 +1434,34 @@
                 <a:ea typeface="Raleway" pitchFamily="34" charset="-122"/>
                 <a:cs typeface="Arial" panose="020B0604020202020204" pitchFamily="34" charset="0"/>
               </a:rPr>
-              <a:t>Introduction to Language Translators</a:t>
+              <a:t>Language Translators</a:t>
+            </a:r>
+            <a:endParaRPr lang="en-US" sz="6705" dirty="0">
+              <a:solidFill>
+                <a:srgbClr val="1B1B27"/>
+              </a:solidFill>
+              <a:latin typeface="Arial" panose="020B0604020202020204" pitchFamily="34" charset="0"/>
+              <a:ea typeface="Raleway" pitchFamily="34" charset="-122"/>
+              <a:cs typeface="Arial" panose="020B0604020202020204" pitchFamily="34" charset="0"/>
+            </a:endParaRPr>
+          </a:p>
+          <a:p>
+            <a:pPr marL="0" indent="0">
+              <a:lnSpc>
+                <a:spcPts val="8385"/>
+              </a:lnSpc>
+              <a:buNone/>
+            </a:pPr>
+            <a:r>
+              <a:rPr lang="en-US" sz="6705" dirty="0">
+                <a:solidFill>
+                  <a:srgbClr val="1B1B27"/>
+                </a:solidFill>
+                <a:latin typeface="Arial" panose="020B0604020202020204" pitchFamily="34" charset="0"/>
+                <a:ea typeface="Raleway" pitchFamily="34" charset="-122"/>
+                <a:cs typeface="Arial" panose="020B0604020202020204" pitchFamily="34" charset="0"/>
+              </a:rPr>
+              <a:t>with ML</a:t>
             </a:r>
             <a:endParaRPr lang="en-US" sz="6705" dirty="0">
               <a:solidFill>
@@ -2326,7 +2353,7 @@
         </p:nvSpPr>
         <p:spPr>
           <a:xfrm>
-            <a:off x="685086" y="843915"/>
+            <a:off x="685086" y="1663700"/>
             <a:ext cx="7773829" cy="1835229"/>
           </a:xfrm>
           <a:prstGeom prst="rect">
@@ -2353,7 +2380,7 @@
                 <a:ea typeface="Raleway" pitchFamily="34" charset="-122"/>
                 <a:cs typeface="Arial" panose="020B0604020202020204" pitchFamily="34" charset="0"/>
               </a:rPr>
-              <a:t>Challenges in Implementing Machine Learning for Language Translation</a:t>
+              <a:t>Challenges </a:t>
             </a:r>
             <a:endParaRPr lang="en-US" sz="3855" dirty="0">
               <a:solidFill>
@@ -2866,7 +2893,7 @@
                 <a:ea typeface="Roboto" pitchFamily="34" charset="-122"/>
                 <a:cs typeface="Arial" panose="020B0604020202020204" pitchFamily="34" charset="0"/>
               </a:rPr>
-              <a:t>Capturing contextual, idiomatic, and cultural differences</a:t>
+              <a:t>Capturing contextual and cultural differences</a:t>
             </a:r>
             <a:endParaRPr lang="en-US" sz="1540" dirty="0">
               <a:solidFill>
@@ -4261,7 +4288,7 @@
         </p:nvSpPr>
         <p:spPr>
           <a:xfrm>
-            <a:off x="6350437" y="719018"/>
+            <a:off x="6365677" y="2206188"/>
             <a:ext cx="7415927" cy="3086100"/>
           </a:xfrm>
           <a:prstGeom prst="rect">
@@ -4288,7 +4315,7 @@
                 <a:ea typeface="Raleway" pitchFamily="34" charset="-122"/>
                 <a:cs typeface="Arial" panose="020B0604020202020204" pitchFamily="34" charset="0"/>
               </a:rPr>
-              <a:t>Integrating Machine Learning, Python, and Django for Language Translators</a:t>
+              <a:t>Technology</a:t>
             </a:r>
             <a:endParaRPr lang="en-US" sz="4860" dirty="0">
               <a:solidFill>
@@ -4779,7 +4806,7 @@
                 <a:ea typeface="Raleway" pitchFamily="34" charset="-122"/>
                 <a:cs typeface="Arial" panose="020B0604020202020204" pitchFamily="34" charset="0"/>
               </a:rPr>
-              <a:t>Case Studies of Successful Language Translator Applications</a:t>
+              <a:t> Applications</a:t>
             </a:r>
             <a:endParaRPr lang="en-US" sz="4860" dirty="0">
               <a:solidFill>

--- a/resume/Introduction-to-Language-Translators (1).pptx
+++ b/resume/Introduction-to-Language-Translators (1).pptx
@@ -5,16 +5,17 @@
     <p:sldMasterId id="2147483648" r:id="rId1"/>
   </p:sldMasterIdLst>
   <p:notesMasterIdLst>
-    <p:notesMasterId r:id="rId4"/>
+    <p:notesMasterId r:id="rId5"/>
   </p:notesMasterIdLst>
   <p:sldIdLst>
-    <p:sldId id="256" r:id="rId3"/>
-    <p:sldId id="257" r:id="rId5"/>
-    <p:sldId id="258" r:id="rId6"/>
-    <p:sldId id="259" r:id="rId7"/>
-    <p:sldId id="260" r:id="rId8"/>
-    <p:sldId id="261" r:id="rId9"/>
-    <p:sldId id="262" r:id="rId10"/>
+    <p:sldId id="263" r:id="rId3"/>
+    <p:sldId id="256" r:id="rId4"/>
+    <p:sldId id="257" r:id="rId6"/>
+    <p:sldId id="258" r:id="rId7"/>
+    <p:sldId id="259" r:id="rId8"/>
+    <p:sldId id="260" r:id="rId9"/>
+    <p:sldId id="261" r:id="rId10"/>
+    <p:sldId id="262" r:id="rId11"/>
   </p:sldIdLst>
   <p:sldSz cx="14630400" cy="8229600"/>
   <p:notesSz cx="8229600" cy="14630400"/>
@@ -1327,57 +1328,138 @@
         <p:cNvGrpSpPr/>
         <p:nvPr/>
       </p:nvGrpSpPr>
-      <p:grpSpPr>
-        <a:xfrm>
-          <a:off x="0" y="0"/>
-          <a:ext cx="0" cy="0"/>
-          <a:chOff x="0" y="0"/>
-          <a:chExt cx="0" cy="0"/>
-        </a:xfrm>
-      </p:grpSpPr>
-      <p:sp>
-        <p:nvSpPr>
-          <p:cNvPr id="2" name="Shape 0"/>
-          <p:cNvSpPr/>
-          <p:nvPr/>
-        </p:nvSpPr>
-        <p:spPr>
-          <a:xfrm>
-            <a:off x="0" y="0"/>
-            <a:ext cx="14630400" cy="8229600"/>
-          </a:xfrm>
-          <a:prstGeom prst="rect">
-            <a:avLst/>
-          </a:prstGeom>
-          <a:solidFill>
-            <a:srgbClr val="ECECF3"/>
-          </a:solidFill>
-        </p:spPr>
-      </p:sp>
-      <p:sp>
-        <p:nvSpPr>
-          <p:cNvPr id="3" name="Shape 1"/>
-          <p:cNvSpPr/>
-          <p:nvPr/>
-        </p:nvSpPr>
-        <p:spPr>
-          <a:xfrm>
-            <a:off x="0" y="0"/>
-            <a:ext cx="14630400" cy="8229600"/>
-          </a:xfrm>
-          <a:prstGeom prst="rect">
-            <a:avLst/>
-          </a:prstGeom>
-          <a:solidFill>
-            <a:srgbClr val="FFFFFF">
-              <a:alpha val="75000"/>
-            </a:srgbClr>
-          </a:solidFill>
-        </p:spPr>
+      <p:grpSpPr/>
+      <p:sp>
+        <p:nvSpPr>
+          <p:cNvPr id="2" name="Text Box 1"/>
+          <p:cNvSpPr txBox="1"/>
+          <p:nvPr/>
+        </p:nvSpPr>
+        <p:spPr>
+          <a:xfrm>
+            <a:off x="2023110" y="3089910"/>
+            <a:ext cx="4876800" cy="1048385"/>
+          </a:xfrm>
+          <a:prstGeom prst="rect">
+            <a:avLst/>
+          </a:prstGeom>
+          <a:noFill/>
+        </p:spPr>
+        <p:txBody>
+          <a:bodyPr wrap="square" rtlCol="0">
+            <a:noAutofit/>
+          </a:bodyPr>
+          <a:p>
+            <a:r>
+              <a:rPr lang="en-US" sz="4400" b="1"/>
+              <a:t>Project Topics</a:t>
+            </a:r>
+            <a:endParaRPr lang="en-US" sz="4400" b="1"/>
+          </a:p>
+        </p:txBody>
+      </p:sp>
+      <p:sp>
+        <p:nvSpPr>
+          <p:cNvPr id="3" name="Text Box 2"/>
+          <p:cNvSpPr txBox="1"/>
+          <p:nvPr/>
+        </p:nvSpPr>
+        <p:spPr>
+          <a:xfrm>
+            <a:off x="1908810" y="4058920"/>
+            <a:ext cx="7305675" cy="583565"/>
+          </a:xfrm>
+          <a:prstGeom prst="rect">
+            <a:avLst/>
+          </a:prstGeom>
+          <a:noFill/>
+        </p:spPr>
+        <p:txBody>
+          <a:bodyPr wrap="square" rtlCol="0">
+            <a:spAutoFit/>
+          </a:bodyPr>
+          <a:p>
+            <a:pPr marL="457200" indent="-457200">
+              <a:buFont typeface="Arial" panose="020B0604020202020204" pitchFamily="34" charset="0"/>
+              <a:buChar char="•"/>
+            </a:pPr>
+            <a:r>
+              <a:rPr lang="en-US" sz="3200"/>
+              <a:t>Language Translator with ML.</a:t>
+            </a:r>
+            <a:endParaRPr lang="en-US" sz="3200"/>
+          </a:p>
+        </p:txBody>
+      </p:sp>
+      <p:sp>
+        <p:nvSpPr>
+          <p:cNvPr id="5" name="Text Box 4"/>
+          <p:cNvSpPr txBox="1"/>
+          <p:nvPr/>
+        </p:nvSpPr>
+        <p:spPr>
+          <a:xfrm>
+            <a:off x="1908810" y="4642485"/>
+            <a:ext cx="4876800" cy="583565"/>
+          </a:xfrm>
+          <a:prstGeom prst="rect">
+            <a:avLst/>
+          </a:prstGeom>
+          <a:noFill/>
+        </p:spPr>
+        <p:txBody>
+          <a:bodyPr wrap="square" rtlCol="0">
+            <a:spAutoFit/>
+          </a:bodyPr>
+          <a:p>
+            <a:pPr marL="457200" indent="-457200">
+              <a:buFont typeface="Arial" panose="020B0604020202020204" pitchFamily="34" charset="0"/>
+              <a:buChar char="•"/>
+            </a:pPr>
+            <a:r>
+              <a:rPr lang="en-US" sz="3200"/>
+              <a:t>MNC Job Notifier.</a:t>
+            </a:r>
+            <a:endParaRPr lang="en-US" sz="3200"/>
+          </a:p>
+        </p:txBody>
+      </p:sp>
+      <p:sp>
+        <p:nvSpPr>
+          <p:cNvPr id="7" name="Text Box 6"/>
+          <p:cNvSpPr txBox="1"/>
+          <p:nvPr/>
+        </p:nvSpPr>
+        <p:spPr>
+          <a:xfrm>
+            <a:off x="1908810" y="5226050"/>
+            <a:ext cx="10212705" cy="583565"/>
+          </a:xfrm>
+          <a:prstGeom prst="rect">
+            <a:avLst/>
+          </a:prstGeom>
+          <a:noFill/>
+        </p:spPr>
+        <p:txBody>
+          <a:bodyPr wrap="square" rtlCol="0">
+            <a:spAutoFit/>
+          </a:bodyPr>
+          <a:p>
+            <a:pPr marL="457200" indent="-457200">
+              <a:buFont typeface="Arial" panose="020B0604020202020204" pitchFamily="34" charset="0"/>
+              <a:buChar char="•"/>
+            </a:pPr>
+            <a:r>
+              <a:rPr lang="en-US" sz="3200"/>
+              <a:t>Crime Prevention Surveillance with Technology.</a:t>
+            </a:r>
+            <a:endParaRPr lang="en-US" sz="3200"/>
+          </a:p>
+        </p:txBody>
       </p:sp>
       <p:pic>
         <p:nvPicPr>
-          <p:cNvPr id="4" name="Image 0" descr="preencoded.png"/>
+          <p:cNvPr id="9" name="Picture 8" descr="mcoerc"/>
           <p:cNvPicPr>
             <a:picLocks noChangeAspect="1"/>
           </p:cNvPicPr>
@@ -1391,8 +1473,8 @@
         </p:blipFill>
         <p:spPr>
           <a:xfrm>
-            <a:off x="0" y="0"/>
-            <a:ext cx="5486400" cy="8229600"/>
+            <a:off x="348615" y="121285"/>
+            <a:ext cx="2133600" cy="2426970"/>
           </a:xfrm>
           <a:prstGeom prst="rect">
             <a:avLst/>
@@ -1401,124 +1483,71 @@
       </p:pic>
       <p:sp>
         <p:nvSpPr>
-          <p:cNvPr id="5" name="Text 2"/>
-          <p:cNvSpPr/>
-          <p:nvPr/>
-        </p:nvSpPr>
-        <p:spPr>
-          <a:xfrm>
-            <a:off x="5655310" y="1937385"/>
-            <a:ext cx="8806180" cy="3194050"/>
-          </a:xfrm>
-          <a:prstGeom prst="rect">
-            <a:avLst/>
-          </a:prstGeom>
-          <a:noFill/>
-        </p:spPr>
-        <p:txBody>
-          <a:bodyPr wrap="square" rtlCol="0" anchor="t"/>
-          <a:lstStyle/>
-          <a:p>
-            <a:pPr marL="0" indent="0">
-              <a:lnSpc>
-                <a:spcPts val="8385"/>
-              </a:lnSpc>
-              <a:buNone/>
-            </a:pPr>
-            <a:r>
-              <a:rPr lang="en-US" sz="6705" dirty="0">
+          <p:cNvPr id="10" name="Text Box 9"/>
+          <p:cNvSpPr txBox="1"/>
+          <p:nvPr/>
+        </p:nvSpPr>
+        <p:spPr>
+          <a:xfrm>
+            <a:off x="2635250" y="680720"/>
+            <a:ext cx="12570460" cy="1322070"/>
+          </a:xfrm>
+          <a:prstGeom prst="rect">
+            <a:avLst/>
+          </a:prstGeom>
+          <a:noFill/>
+        </p:spPr>
+        <p:txBody>
+          <a:bodyPr wrap="square" rtlCol="0">
+            <a:spAutoFit/>
+          </a:bodyPr>
+          <a:p>
+            <a:r>
+              <a:rPr lang="en-US" sz="4000" b="1">
                 <a:solidFill>
-                  <a:srgbClr val="1B1B27"/>
+                  <a:srgbClr val="FF0000"/>
                 </a:solidFill>
-                <a:latin typeface="Arial" panose="020B0604020202020204" pitchFamily="34" charset="0"/>
-                <a:ea typeface="Raleway" pitchFamily="34" charset="-122"/>
-                <a:cs typeface="Arial" panose="020B0604020202020204" pitchFamily="34" charset="0"/>
               </a:rPr>
-              <a:t>Language Translators</a:t>
-            </a:r>
-            <a:endParaRPr lang="en-US" sz="6705" dirty="0">
+              <a:t>Matoshri College Of Engineering And Research Centre,Eklahare</a:t>
+            </a:r>
+            <a:endParaRPr lang="en-US" sz="4000" b="1">
               <a:solidFill>
-                <a:srgbClr val="1B1B27"/>
+                <a:srgbClr val="FF0000"/>
               </a:solidFill>
-              <a:latin typeface="Arial" panose="020B0604020202020204" pitchFamily="34" charset="0"/>
-              <a:ea typeface="Raleway" pitchFamily="34" charset="-122"/>
-              <a:cs typeface="Arial" panose="020B0604020202020204" pitchFamily="34" charset="0"/>
             </a:endParaRPr>
           </a:p>
-          <a:p>
-            <a:pPr marL="0" indent="0">
-              <a:lnSpc>
-                <a:spcPts val="8385"/>
-              </a:lnSpc>
-              <a:buNone/>
-            </a:pPr>
-            <a:r>
-              <a:rPr lang="en-US" sz="6705" dirty="0">
-                <a:solidFill>
-                  <a:srgbClr val="1B1B27"/>
-                </a:solidFill>
-                <a:latin typeface="Arial" panose="020B0604020202020204" pitchFamily="34" charset="0"/>
-                <a:ea typeface="Raleway" pitchFamily="34" charset="-122"/>
-                <a:cs typeface="Arial" panose="020B0604020202020204" pitchFamily="34" charset="0"/>
-              </a:rPr>
-              <a:t>with ML</a:t>
-            </a:r>
-            <a:endParaRPr lang="en-US" sz="6705" dirty="0">
-              <a:solidFill>
-                <a:srgbClr val="1B1B27"/>
-              </a:solidFill>
-              <a:latin typeface="Arial" panose="020B0604020202020204" pitchFamily="34" charset="0"/>
-              <a:ea typeface="Raleway" pitchFamily="34" charset="-122"/>
-              <a:cs typeface="Arial" panose="020B0604020202020204" pitchFamily="34" charset="0"/>
-            </a:endParaRPr>
-          </a:p>
-        </p:txBody>
-      </p:sp>
-      <p:sp>
-        <p:nvSpPr>
-          <p:cNvPr id="6" name="Text 3"/>
-          <p:cNvSpPr/>
-          <p:nvPr/>
-        </p:nvSpPr>
-        <p:spPr>
-          <a:xfrm>
-            <a:off x="6350437" y="5501878"/>
-            <a:ext cx="7415927" cy="790099"/>
-          </a:xfrm>
-          <a:prstGeom prst="rect">
-            <a:avLst/>
-          </a:prstGeom>
-          <a:noFill/>
-        </p:spPr>
-        <p:txBody>
-          <a:bodyPr wrap="square" rtlCol="0" anchor="t"/>
-          <a:lstStyle/>
-          <a:p>
-            <a:pPr marL="0" indent="0">
-              <a:lnSpc>
-                <a:spcPts val="3110"/>
-              </a:lnSpc>
-              <a:buNone/>
-            </a:pPr>
-            <a:r>
-              <a:rPr lang="en-US" sz="1945" dirty="0">
-                <a:solidFill>
-                  <a:srgbClr val="3C3939"/>
-                </a:solidFill>
-                <a:latin typeface="Arial" panose="020B0604020202020204" pitchFamily="34" charset="0"/>
-                <a:ea typeface="Roboto" pitchFamily="34" charset="-122"/>
-                <a:cs typeface="Arial" panose="020B0604020202020204" pitchFamily="34" charset="0"/>
-              </a:rPr>
-              <a:t>Explore the world of language translators, unlocking global communication.</a:t>
-            </a:r>
-            <a:endParaRPr lang="en-US" sz="1945" dirty="0">
-              <a:solidFill>
-                <a:srgbClr val="3C3939"/>
-              </a:solidFill>
-              <a:latin typeface="Arial" panose="020B0604020202020204" pitchFamily="34" charset="0"/>
-              <a:ea typeface="Roboto" pitchFamily="34" charset="-122"/>
-              <a:cs typeface="Arial" panose="020B0604020202020204" pitchFamily="34" charset="0"/>
-            </a:endParaRPr>
+        </p:txBody>
+      </p:sp>
+      <p:sp>
+        <p:nvSpPr>
+          <p:cNvPr id="11" name="Text Box 10"/>
+          <p:cNvSpPr txBox="1"/>
+          <p:nvPr/>
+        </p:nvSpPr>
+        <p:spPr>
+          <a:xfrm>
+            <a:off x="2023110" y="6698615"/>
+            <a:ext cx="4892040" cy="521970"/>
+          </a:xfrm>
+          <a:prstGeom prst="rect">
+            <a:avLst/>
+          </a:prstGeom>
+          <a:noFill/>
+        </p:spPr>
+        <p:txBody>
+          <a:bodyPr wrap="square" rtlCol="0">
+            <a:spAutoFit/>
+          </a:bodyPr>
+          <a:p>
+            <a:r>
+              <a:rPr lang="en-US" sz="2800"/>
+              <a:t>Project Guide </a:t>
+            </a:r>
+            <a:r>
+              <a:rPr lang="en-US" sz="2800" b="1"/>
+              <a:t>: Ms.S.H.Adke</a:t>
+            </a:r>
+            <a:endParaRPr lang="en-US" sz="2800" b="1"/>
           </a:p>
         </p:txBody>
       </p:sp>
@@ -1619,8 +1648,8 @@
         </p:nvSpPr>
         <p:spPr>
           <a:xfrm>
-            <a:off x="6227564" y="1252418"/>
-            <a:ext cx="7661672" cy="1323499"/>
+            <a:off x="5655310" y="1937385"/>
+            <a:ext cx="8806180" cy="3194050"/>
           </a:xfrm>
           <a:prstGeom prst="rect">
             <a:avLst/>
@@ -1633,12 +1662,12 @@
           <a:p>
             <a:pPr marL="0" indent="0">
               <a:lnSpc>
-                <a:spcPts val="5210"/>
+                <a:spcPts val="8385"/>
               </a:lnSpc>
               <a:buNone/>
             </a:pPr>
             <a:r>
-              <a:rPr lang="en-US" sz="4170" dirty="0">
+              <a:rPr lang="en-US" sz="6705" dirty="0">
                 <a:solidFill>
                   <a:srgbClr val="1B1B27"/>
                 </a:solidFill>
@@ -1646,9 +1675,9 @@
                 <a:ea typeface="Raleway" pitchFamily="34" charset="-122"/>
                 <a:cs typeface="Arial" panose="020B0604020202020204" pitchFamily="34" charset="0"/>
               </a:rPr>
-              <a:t>The Role of Machine Learning in Language Translation</a:t>
-            </a:r>
-            <a:endParaRPr lang="en-US" sz="4170" dirty="0">
+              <a:t>Language Translators</a:t>
+            </a:r>
+            <a:endParaRPr lang="en-US" sz="6705" dirty="0">
               <a:solidFill>
                 <a:srgbClr val="1B1B27"/>
               </a:solidFill>
@@ -1657,117 +1686,27 @@
               <a:cs typeface="Arial" panose="020B0604020202020204" pitchFamily="34" charset="0"/>
             </a:endParaRPr>
           </a:p>
-        </p:txBody>
-      </p:sp>
-      <p:sp>
-        <p:nvSpPr>
-          <p:cNvPr id="6" name="Shape 3"/>
-          <p:cNvSpPr/>
-          <p:nvPr/>
-        </p:nvSpPr>
-        <p:spPr>
-          <a:xfrm>
-            <a:off x="6533793" y="2893576"/>
-            <a:ext cx="22860" cy="4083487"/>
-          </a:xfrm>
-          <a:prstGeom prst="roundRect">
-            <a:avLst>
-              <a:gd name="adj" fmla="val 389109"/>
-            </a:avLst>
-          </a:prstGeom>
-          <a:solidFill>
-            <a:srgbClr val="C7C7D0"/>
-          </a:solidFill>
-        </p:spPr>
-      </p:sp>
-      <p:sp>
-        <p:nvSpPr>
-          <p:cNvPr id="7" name="Shape 4"/>
-          <p:cNvSpPr/>
-          <p:nvPr/>
-        </p:nvSpPr>
-        <p:spPr>
-          <a:xfrm>
-            <a:off x="6760607" y="3358634"/>
-            <a:ext cx="741164" cy="22860"/>
-          </a:xfrm>
-          <a:prstGeom prst="roundRect">
-            <a:avLst>
-              <a:gd name="adj" fmla="val 389109"/>
-            </a:avLst>
-          </a:prstGeom>
-          <a:solidFill>
-            <a:srgbClr val="C7C7D0"/>
-          </a:solidFill>
-        </p:spPr>
-      </p:sp>
-      <p:sp>
-        <p:nvSpPr>
-          <p:cNvPr id="8" name="Shape 5"/>
-          <p:cNvSpPr/>
-          <p:nvPr/>
-        </p:nvSpPr>
-        <p:spPr>
-          <a:xfrm>
-            <a:off x="6306979" y="3131820"/>
-            <a:ext cx="476488" cy="476488"/>
-          </a:xfrm>
-          <a:prstGeom prst="roundRect">
-            <a:avLst>
-              <a:gd name="adj" fmla="val 18668"/>
-            </a:avLst>
-          </a:prstGeom>
-          <a:solidFill>
-            <a:srgbClr val="E1E1EA"/>
-          </a:solidFill>
-          <a:ln w="7620">
-            <a:solidFill>
-              <a:srgbClr val="C7C7D0"/>
-            </a:solidFill>
-            <a:prstDash val="solid"/>
-          </a:ln>
-        </p:spPr>
-      </p:sp>
-      <p:sp>
-        <p:nvSpPr>
-          <p:cNvPr id="9" name="Text 6"/>
-          <p:cNvSpPr/>
-          <p:nvPr/>
-        </p:nvSpPr>
-        <p:spPr>
-          <a:xfrm>
-            <a:off x="6477238" y="3211235"/>
-            <a:ext cx="135969" cy="317659"/>
-          </a:xfrm>
-          <a:prstGeom prst="rect">
-            <a:avLst/>
-          </a:prstGeom>
-          <a:noFill/>
-        </p:spPr>
-        <p:txBody>
-          <a:bodyPr wrap="none" rtlCol="0" anchor="t"/>
-          <a:lstStyle/>
-          <a:p>
-            <a:pPr marL="0" indent="0" algn="ctr">
+          <a:p>
+            <a:pPr marL="0" indent="0">
               <a:lnSpc>
-                <a:spcPts val="2500"/>
+                <a:spcPts val="8385"/>
               </a:lnSpc>
               <a:buNone/>
             </a:pPr>
             <a:r>
-              <a:rPr lang="en-US" sz="2500" dirty="0">
+              <a:rPr lang="en-US" sz="6705" dirty="0">
                 <a:solidFill>
-                  <a:srgbClr val="3C3939"/>
+                  <a:srgbClr val="1B1B27"/>
                 </a:solidFill>
                 <a:latin typeface="Arial" panose="020B0604020202020204" pitchFamily="34" charset="0"/>
                 <a:ea typeface="Raleway" pitchFamily="34" charset="-122"/>
                 <a:cs typeface="Arial" panose="020B0604020202020204" pitchFamily="34" charset="0"/>
               </a:rPr>
-              <a:t>1</a:t>
-            </a:r>
-            <a:endParaRPr lang="en-US" sz="2500" dirty="0">
+              <a:t>with ML</a:t>
+            </a:r>
+            <a:endParaRPr lang="en-US" sz="6705" dirty="0">
               <a:solidFill>
-                <a:srgbClr val="3C3939"/>
+                <a:srgbClr val="1B1B27"/>
               </a:solidFill>
               <a:latin typeface="Arial" panose="020B0604020202020204" pitchFamily="34" charset="0"/>
               <a:ea typeface="Raleway" pitchFamily="34" charset="-122"/>
@@ -1778,80 +1717,32 @@
       </p:sp>
       <p:sp>
         <p:nvSpPr>
-          <p:cNvPr id="10" name="Text 7"/>
-          <p:cNvSpPr/>
-          <p:nvPr/>
-        </p:nvSpPr>
-        <p:spPr>
-          <a:xfrm>
-            <a:off x="7710011" y="3105269"/>
-            <a:ext cx="2647236" cy="330756"/>
-          </a:xfrm>
-          <a:prstGeom prst="rect">
-            <a:avLst/>
-          </a:prstGeom>
-          <a:noFill/>
-        </p:spPr>
-        <p:txBody>
-          <a:bodyPr wrap="none" rtlCol="0" anchor="t"/>
-          <a:lstStyle/>
-          <a:p>
-            <a:pPr marL="0" indent="0" algn="l">
+          <p:cNvPr id="6" name="Text 3"/>
+          <p:cNvSpPr/>
+          <p:nvPr/>
+        </p:nvSpPr>
+        <p:spPr>
+          <a:xfrm>
+            <a:off x="6350437" y="5501878"/>
+            <a:ext cx="7415927" cy="790099"/>
+          </a:xfrm>
+          <a:prstGeom prst="rect">
+            <a:avLst/>
+          </a:prstGeom>
+          <a:noFill/>
+        </p:spPr>
+        <p:txBody>
+          <a:bodyPr wrap="square" rtlCol="0" anchor="t"/>
+          <a:lstStyle/>
+          <a:p>
+            <a:pPr marL="0" indent="0">
               <a:lnSpc>
-                <a:spcPts val="2605"/>
+                <a:spcPts val="3110"/>
               </a:lnSpc>
               <a:buNone/>
             </a:pPr>
             <a:r>
-              <a:rPr lang="en-US" sz="2085" dirty="0">
-                <a:solidFill>
-                  <a:srgbClr val="3C3939"/>
-                </a:solidFill>
-                <a:latin typeface="Arial" panose="020B0604020202020204" pitchFamily="34" charset="0"/>
-                <a:ea typeface="Raleway" pitchFamily="34" charset="-122"/>
-                <a:cs typeface="Arial" panose="020B0604020202020204" pitchFamily="34" charset="0"/>
-              </a:rPr>
-              <a:t>Data Collection</a:t>
-            </a:r>
-            <a:endParaRPr lang="en-US" sz="2085" dirty="0">
-              <a:solidFill>
-                <a:srgbClr val="3C3939"/>
-              </a:solidFill>
-              <a:latin typeface="Arial" panose="020B0604020202020204" pitchFamily="34" charset="0"/>
-              <a:ea typeface="Raleway" pitchFamily="34" charset="-122"/>
-              <a:cs typeface="Arial" panose="020B0604020202020204" pitchFamily="34" charset="0"/>
-            </a:endParaRPr>
-          </a:p>
-        </p:txBody>
-      </p:sp>
-      <p:sp>
-        <p:nvSpPr>
-          <p:cNvPr id="11" name="Text 8"/>
-          <p:cNvSpPr/>
-          <p:nvPr/>
-        </p:nvSpPr>
-        <p:spPr>
-          <a:xfrm>
-            <a:off x="7710011" y="3563064"/>
-            <a:ext cx="6179225" cy="338852"/>
-          </a:xfrm>
-          <a:prstGeom prst="rect">
-            <a:avLst/>
-          </a:prstGeom>
-          <a:noFill/>
-        </p:spPr>
-        <p:txBody>
-          <a:bodyPr wrap="none" rtlCol="0" anchor="t"/>
-          <a:lstStyle/>
-          <a:p>
-            <a:pPr marL="0" indent="0" algn="l">
-              <a:lnSpc>
-                <a:spcPts val="2670"/>
-              </a:lnSpc>
-              <a:buNone/>
-            </a:pPr>
-            <a:r>
-              <a:rPr lang="en-US" sz="1670" dirty="0">
+              <a:rPr lang="en-US" sz="1945" dirty="0">
                 <a:solidFill>
                   <a:srgbClr val="3C3939"/>
                 </a:solidFill>
@@ -1859,393 +1750,9 @@
                 <a:ea typeface="Roboto" pitchFamily="34" charset="-122"/>
                 <a:cs typeface="Arial" panose="020B0604020202020204" pitchFamily="34" charset="0"/>
               </a:rPr>
-              <a:t>Gathering multilingual text for model training</a:t>
-            </a:r>
-            <a:endParaRPr lang="en-US" sz="1670" dirty="0">
-              <a:solidFill>
-                <a:srgbClr val="3C3939"/>
-              </a:solidFill>
-              <a:latin typeface="Arial" panose="020B0604020202020204" pitchFamily="34" charset="0"/>
-              <a:ea typeface="Roboto" pitchFamily="34" charset="-122"/>
-              <a:cs typeface="Arial" panose="020B0604020202020204" pitchFamily="34" charset="0"/>
-            </a:endParaRPr>
-          </a:p>
-        </p:txBody>
-      </p:sp>
-      <p:sp>
-        <p:nvSpPr>
-          <p:cNvPr id="12" name="Shape 9"/>
-          <p:cNvSpPr/>
-          <p:nvPr/>
-        </p:nvSpPr>
-        <p:spPr>
-          <a:xfrm>
-            <a:off x="6760607" y="4790361"/>
-            <a:ext cx="741164" cy="22860"/>
-          </a:xfrm>
-          <a:prstGeom prst="roundRect">
-            <a:avLst>
-              <a:gd name="adj" fmla="val 389109"/>
-            </a:avLst>
-          </a:prstGeom>
-          <a:solidFill>
-            <a:srgbClr val="C7C7D0"/>
-          </a:solidFill>
-        </p:spPr>
-      </p:sp>
-      <p:sp>
-        <p:nvSpPr>
-          <p:cNvPr id="13" name="Shape 10"/>
-          <p:cNvSpPr/>
-          <p:nvPr/>
-        </p:nvSpPr>
-        <p:spPr>
-          <a:xfrm>
-            <a:off x="6306979" y="4563547"/>
-            <a:ext cx="476488" cy="476488"/>
-          </a:xfrm>
-          <a:prstGeom prst="roundRect">
-            <a:avLst>
-              <a:gd name="adj" fmla="val 18668"/>
-            </a:avLst>
-          </a:prstGeom>
-          <a:solidFill>
-            <a:srgbClr val="E1E1EA"/>
-          </a:solidFill>
-          <a:ln w="7620">
-            <a:solidFill>
-              <a:srgbClr val="C7C7D0"/>
-            </a:solidFill>
-            <a:prstDash val="solid"/>
-          </a:ln>
-        </p:spPr>
-      </p:sp>
-      <p:sp>
-        <p:nvSpPr>
-          <p:cNvPr id="14" name="Text 11"/>
-          <p:cNvSpPr/>
-          <p:nvPr/>
-        </p:nvSpPr>
-        <p:spPr>
-          <a:xfrm>
-            <a:off x="6462355" y="4642961"/>
-            <a:ext cx="165616" cy="317659"/>
-          </a:xfrm>
-          <a:prstGeom prst="rect">
-            <a:avLst/>
-          </a:prstGeom>
-          <a:noFill/>
-        </p:spPr>
-        <p:txBody>
-          <a:bodyPr wrap="none" rtlCol="0" anchor="t"/>
-          <a:lstStyle/>
-          <a:p>
-            <a:pPr marL="0" indent="0" algn="ctr">
-              <a:lnSpc>
-                <a:spcPts val="2500"/>
-              </a:lnSpc>
-              <a:buNone/>
-            </a:pPr>
-            <a:r>
-              <a:rPr lang="en-US" sz="2500" dirty="0">
-                <a:solidFill>
-                  <a:srgbClr val="3C3939"/>
-                </a:solidFill>
-                <a:latin typeface="Arial" panose="020B0604020202020204" pitchFamily="34" charset="0"/>
-                <a:ea typeface="Raleway" pitchFamily="34" charset="-122"/>
-                <a:cs typeface="Arial" panose="020B0604020202020204" pitchFamily="34" charset="0"/>
-              </a:rPr>
-              <a:t>2</a:t>
-            </a:r>
-            <a:endParaRPr lang="en-US" sz="2500" dirty="0">
-              <a:solidFill>
-                <a:srgbClr val="3C3939"/>
-              </a:solidFill>
-              <a:latin typeface="Arial" panose="020B0604020202020204" pitchFamily="34" charset="0"/>
-              <a:ea typeface="Raleway" pitchFamily="34" charset="-122"/>
-              <a:cs typeface="Arial" panose="020B0604020202020204" pitchFamily="34" charset="0"/>
-            </a:endParaRPr>
-          </a:p>
-        </p:txBody>
-      </p:sp>
-      <p:sp>
-        <p:nvSpPr>
-          <p:cNvPr id="15" name="Text 12"/>
-          <p:cNvSpPr/>
-          <p:nvPr/>
-        </p:nvSpPr>
-        <p:spPr>
-          <a:xfrm>
-            <a:off x="7710011" y="4536996"/>
-            <a:ext cx="2647236" cy="330756"/>
-          </a:xfrm>
-          <a:prstGeom prst="rect">
-            <a:avLst/>
-          </a:prstGeom>
-          <a:noFill/>
-        </p:spPr>
-        <p:txBody>
-          <a:bodyPr wrap="none" rtlCol="0" anchor="t"/>
-          <a:lstStyle/>
-          <a:p>
-            <a:pPr marL="0" indent="0" algn="l">
-              <a:lnSpc>
-                <a:spcPts val="2605"/>
-              </a:lnSpc>
-              <a:buNone/>
-            </a:pPr>
-            <a:r>
-              <a:rPr lang="en-US" sz="2085" dirty="0">
-                <a:solidFill>
-                  <a:srgbClr val="3C3939"/>
-                </a:solidFill>
-                <a:latin typeface="Arial" panose="020B0604020202020204" pitchFamily="34" charset="0"/>
-                <a:ea typeface="Raleway" pitchFamily="34" charset="-122"/>
-                <a:cs typeface="Arial" panose="020B0604020202020204" pitchFamily="34" charset="0"/>
-              </a:rPr>
-              <a:t>Model Training</a:t>
-            </a:r>
-            <a:endParaRPr lang="en-US" sz="2085" dirty="0">
-              <a:solidFill>
-                <a:srgbClr val="3C3939"/>
-              </a:solidFill>
-              <a:latin typeface="Arial" panose="020B0604020202020204" pitchFamily="34" charset="0"/>
-              <a:ea typeface="Raleway" pitchFamily="34" charset="-122"/>
-              <a:cs typeface="Arial" panose="020B0604020202020204" pitchFamily="34" charset="0"/>
-            </a:endParaRPr>
-          </a:p>
-        </p:txBody>
-      </p:sp>
-      <p:sp>
-        <p:nvSpPr>
-          <p:cNvPr id="16" name="Text 13"/>
-          <p:cNvSpPr/>
-          <p:nvPr/>
-        </p:nvSpPr>
-        <p:spPr>
-          <a:xfrm>
-            <a:off x="7710011" y="4994791"/>
-            <a:ext cx="6179225" cy="338852"/>
-          </a:xfrm>
-          <a:prstGeom prst="rect">
-            <a:avLst/>
-          </a:prstGeom>
-          <a:noFill/>
-        </p:spPr>
-        <p:txBody>
-          <a:bodyPr wrap="none" rtlCol="0" anchor="t"/>
-          <a:lstStyle/>
-          <a:p>
-            <a:pPr marL="0" indent="0" algn="l">
-              <a:lnSpc>
-                <a:spcPts val="2670"/>
-              </a:lnSpc>
-              <a:buNone/>
-            </a:pPr>
-            <a:r>
-              <a:rPr lang="en-US" sz="1670" dirty="0">
-                <a:solidFill>
-                  <a:srgbClr val="3C3939"/>
-                </a:solidFill>
-                <a:latin typeface="Arial" panose="020B0604020202020204" pitchFamily="34" charset="0"/>
-                <a:ea typeface="Roboto" pitchFamily="34" charset="-122"/>
-                <a:cs typeface="Arial" panose="020B0604020202020204" pitchFamily="34" charset="0"/>
-              </a:rPr>
-              <a:t>Leveraging neural networks to learn translation patterns</a:t>
-            </a:r>
-            <a:endParaRPr lang="en-US" sz="1670" dirty="0">
-              <a:solidFill>
-                <a:srgbClr val="3C3939"/>
-              </a:solidFill>
-              <a:latin typeface="Arial" panose="020B0604020202020204" pitchFamily="34" charset="0"/>
-              <a:ea typeface="Roboto" pitchFamily="34" charset="-122"/>
-              <a:cs typeface="Arial" panose="020B0604020202020204" pitchFamily="34" charset="0"/>
-            </a:endParaRPr>
-          </a:p>
-        </p:txBody>
-      </p:sp>
-      <p:sp>
-        <p:nvSpPr>
-          <p:cNvPr id="17" name="Shape 14"/>
-          <p:cNvSpPr/>
-          <p:nvPr/>
-        </p:nvSpPr>
-        <p:spPr>
-          <a:xfrm>
-            <a:off x="6760607" y="6222087"/>
-            <a:ext cx="741164" cy="22860"/>
-          </a:xfrm>
-          <a:prstGeom prst="roundRect">
-            <a:avLst>
-              <a:gd name="adj" fmla="val 389109"/>
-            </a:avLst>
-          </a:prstGeom>
-          <a:solidFill>
-            <a:srgbClr val="C7C7D0"/>
-          </a:solidFill>
-        </p:spPr>
-      </p:sp>
-      <p:sp>
-        <p:nvSpPr>
-          <p:cNvPr id="18" name="Shape 15"/>
-          <p:cNvSpPr/>
-          <p:nvPr/>
-        </p:nvSpPr>
-        <p:spPr>
-          <a:xfrm>
-            <a:off x="6306979" y="5995273"/>
-            <a:ext cx="476488" cy="476488"/>
-          </a:xfrm>
-          <a:prstGeom prst="roundRect">
-            <a:avLst>
-              <a:gd name="adj" fmla="val 18668"/>
-            </a:avLst>
-          </a:prstGeom>
-          <a:solidFill>
-            <a:srgbClr val="E1E1EA"/>
-          </a:solidFill>
-          <a:ln w="7620">
-            <a:solidFill>
-              <a:srgbClr val="C7C7D0"/>
-            </a:solidFill>
-            <a:prstDash val="solid"/>
-          </a:ln>
-        </p:spPr>
-      </p:sp>
-      <p:sp>
-        <p:nvSpPr>
-          <p:cNvPr id="19" name="Text 16"/>
-          <p:cNvSpPr/>
-          <p:nvPr/>
-        </p:nvSpPr>
-        <p:spPr>
-          <a:xfrm>
-            <a:off x="6460331" y="6074688"/>
-            <a:ext cx="169664" cy="317659"/>
-          </a:xfrm>
-          <a:prstGeom prst="rect">
-            <a:avLst/>
-          </a:prstGeom>
-          <a:noFill/>
-        </p:spPr>
-        <p:txBody>
-          <a:bodyPr wrap="none" rtlCol="0" anchor="t"/>
-          <a:lstStyle/>
-          <a:p>
-            <a:pPr marL="0" indent="0" algn="ctr">
-              <a:lnSpc>
-                <a:spcPts val="2500"/>
-              </a:lnSpc>
-              <a:buNone/>
-            </a:pPr>
-            <a:r>
-              <a:rPr lang="en-US" sz="2500" dirty="0">
-                <a:solidFill>
-                  <a:srgbClr val="3C3939"/>
-                </a:solidFill>
-                <a:latin typeface="Arial" panose="020B0604020202020204" pitchFamily="34" charset="0"/>
-                <a:ea typeface="Raleway" pitchFamily="34" charset="-122"/>
-                <a:cs typeface="Arial" panose="020B0604020202020204" pitchFamily="34" charset="0"/>
-              </a:rPr>
-              <a:t>3</a:t>
-            </a:r>
-            <a:endParaRPr lang="en-US" sz="2500" dirty="0">
-              <a:solidFill>
-                <a:srgbClr val="3C3939"/>
-              </a:solidFill>
-              <a:latin typeface="Arial" panose="020B0604020202020204" pitchFamily="34" charset="0"/>
-              <a:ea typeface="Raleway" pitchFamily="34" charset="-122"/>
-              <a:cs typeface="Arial" panose="020B0604020202020204" pitchFamily="34" charset="0"/>
-            </a:endParaRPr>
-          </a:p>
-        </p:txBody>
-      </p:sp>
-      <p:sp>
-        <p:nvSpPr>
-          <p:cNvPr id="20" name="Text 17"/>
-          <p:cNvSpPr/>
-          <p:nvPr/>
-        </p:nvSpPr>
-        <p:spPr>
-          <a:xfrm>
-            <a:off x="7710011" y="5968722"/>
-            <a:ext cx="2647236" cy="330756"/>
-          </a:xfrm>
-          <a:prstGeom prst="rect">
-            <a:avLst/>
-          </a:prstGeom>
-          <a:noFill/>
-        </p:spPr>
-        <p:txBody>
-          <a:bodyPr wrap="none" rtlCol="0" anchor="t"/>
-          <a:lstStyle/>
-          <a:p>
-            <a:pPr marL="0" indent="0" algn="l">
-              <a:lnSpc>
-                <a:spcPts val="2605"/>
-              </a:lnSpc>
-              <a:buNone/>
-            </a:pPr>
-            <a:r>
-              <a:rPr lang="en-US" sz="2085" dirty="0">
-                <a:solidFill>
-                  <a:srgbClr val="3C3939"/>
-                </a:solidFill>
-                <a:latin typeface="Arial" panose="020B0604020202020204" pitchFamily="34" charset="0"/>
-                <a:ea typeface="Raleway" pitchFamily="34" charset="-122"/>
-                <a:cs typeface="Arial" panose="020B0604020202020204" pitchFamily="34" charset="0"/>
-              </a:rPr>
-              <a:t>Real-time Translation</a:t>
-            </a:r>
-            <a:endParaRPr lang="en-US" sz="2085" dirty="0">
-              <a:solidFill>
-                <a:srgbClr val="3C3939"/>
-              </a:solidFill>
-              <a:latin typeface="Arial" panose="020B0604020202020204" pitchFamily="34" charset="0"/>
-              <a:ea typeface="Raleway" pitchFamily="34" charset="-122"/>
-              <a:cs typeface="Arial" panose="020B0604020202020204" pitchFamily="34" charset="0"/>
-            </a:endParaRPr>
-          </a:p>
-        </p:txBody>
-      </p:sp>
-      <p:sp>
-        <p:nvSpPr>
-          <p:cNvPr id="21" name="Text 18"/>
-          <p:cNvSpPr/>
-          <p:nvPr/>
-        </p:nvSpPr>
-        <p:spPr>
-          <a:xfrm>
-            <a:off x="7710011" y="6426518"/>
-            <a:ext cx="6179225" cy="338852"/>
-          </a:xfrm>
-          <a:prstGeom prst="rect">
-            <a:avLst/>
-          </a:prstGeom>
-          <a:noFill/>
-        </p:spPr>
-        <p:txBody>
-          <a:bodyPr wrap="none" rtlCol="0" anchor="t"/>
-          <a:lstStyle/>
-          <a:p>
-            <a:pPr marL="0" indent="0" algn="l">
-              <a:lnSpc>
-                <a:spcPts val="2670"/>
-              </a:lnSpc>
-              <a:buNone/>
-            </a:pPr>
-            <a:r>
-              <a:rPr lang="en-US" sz="1670" dirty="0">
-                <a:solidFill>
-                  <a:srgbClr val="3C3939"/>
-                </a:solidFill>
-                <a:latin typeface="Arial" panose="020B0604020202020204" pitchFamily="34" charset="0"/>
-                <a:ea typeface="Roboto" pitchFamily="34" charset="-122"/>
-                <a:cs typeface="Arial" panose="020B0604020202020204" pitchFamily="34" charset="0"/>
-              </a:rPr>
-              <a:t>Applying ML models to provide instant language conversion</a:t>
-            </a:r>
-            <a:endParaRPr lang="en-US" sz="1670" dirty="0">
+              <a:t>Explore the world of language translators, unlocking global communication.</a:t>
+            </a:r>
+            <a:endParaRPr lang="en-US" sz="1945" dirty="0">
               <a:solidFill>
                 <a:srgbClr val="3C3939"/>
               </a:solidFill>
@@ -2337,7 +1844,7 @@
         </p:blipFill>
         <p:spPr>
           <a:xfrm>
-            <a:off x="9144000" y="0"/>
+            <a:off x="0" y="0"/>
             <a:ext cx="5486400" cy="8229600"/>
           </a:xfrm>
           <a:prstGeom prst="rect">
@@ -2353,8 +1860,8 @@
         </p:nvSpPr>
         <p:spPr>
           <a:xfrm>
-            <a:off x="685086" y="1663700"/>
-            <a:ext cx="7773829" cy="1835229"/>
+            <a:off x="6227564" y="1252418"/>
+            <a:ext cx="7661672" cy="1323499"/>
           </a:xfrm>
           <a:prstGeom prst="rect">
             <a:avLst/>
@@ -2367,12 +1874,12 @@
           <a:p>
             <a:pPr marL="0" indent="0">
               <a:lnSpc>
-                <a:spcPts val="4815"/>
+                <a:spcPts val="5210"/>
               </a:lnSpc>
               <a:buNone/>
             </a:pPr>
             <a:r>
-              <a:rPr lang="en-US" sz="3855" dirty="0">
+              <a:rPr lang="en-US" sz="4170" dirty="0">
                 <a:solidFill>
                   <a:srgbClr val="1B1B27"/>
                 </a:solidFill>
@@ -2380,9 +1887,9 @@
                 <a:ea typeface="Raleway" pitchFamily="34" charset="-122"/>
                 <a:cs typeface="Arial" panose="020B0604020202020204" pitchFamily="34" charset="0"/>
               </a:rPr>
-              <a:t>Challenges </a:t>
-            </a:r>
-            <a:endParaRPr lang="en-US" sz="3855" dirty="0">
+              <a:t>The Role of Machine Learning in Language Translation</a:t>
+            </a:r>
+            <a:endParaRPr lang="en-US" sz="4170" dirty="0">
               <a:solidFill>
                 <a:srgbClr val="1B1B27"/>
               </a:solidFill>
@@ -2401,12 +1908,54 @@
         </p:nvSpPr>
         <p:spPr>
           <a:xfrm>
-            <a:off x="685086" y="3192899"/>
-            <a:ext cx="440412" cy="440412"/>
+            <a:off x="6533793" y="2893576"/>
+            <a:ext cx="22860" cy="4083487"/>
           </a:xfrm>
           <a:prstGeom prst="roundRect">
             <a:avLst>
-              <a:gd name="adj" fmla="val 18670"/>
+              <a:gd name="adj" fmla="val 389109"/>
+            </a:avLst>
+          </a:prstGeom>
+          <a:solidFill>
+            <a:srgbClr val="C7C7D0"/>
+          </a:solidFill>
+        </p:spPr>
+      </p:sp>
+      <p:sp>
+        <p:nvSpPr>
+          <p:cNvPr id="7" name="Shape 4"/>
+          <p:cNvSpPr/>
+          <p:nvPr/>
+        </p:nvSpPr>
+        <p:spPr>
+          <a:xfrm>
+            <a:off x="6760607" y="3358634"/>
+            <a:ext cx="741164" cy="22860"/>
+          </a:xfrm>
+          <a:prstGeom prst="roundRect">
+            <a:avLst>
+              <a:gd name="adj" fmla="val 389109"/>
+            </a:avLst>
+          </a:prstGeom>
+          <a:solidFill>
+            <a:srgbClr val="C7C7D0"/>
+          </a:solidFill>
+        </p:spPr>
+      </p:sp>
+      <p:sp>
+        <p:nvSpPr>
+          <p:cNvPr id="8" name="Shape 5"/>
+          <p:cNvSpPr/>
+          <p:nvPr/>
+        </p:nvSpPr>
+        <p:spPr>
+          <a:xfrm>
+            <a:off x="6306979" y="3131820"/>
+            <a:ext cx="476488" cy="476488"/>
+          </a:xfrm>
+          <a:prstGeom prst="roundRect">
+            <a:avLst>
+              <a:gd name="adj" fmla="val 18668"/>
             </a:avLst>
           </a:prstGeom>
           <a:solidFill>
@@ -2422,14 +1971,14 @@
       </p:sp>
       <p:sp>
         <p:nvSpPr>
-          <p:cNvPr id="7" name="Text 4"/>
-          <p:cNvSpPr/>
-          <p:nvPr/>
-        </p:nvSpPr>
-        <p:spPr>
-          <a:xfrm>
-            <a:off x="842367" y="3266242"/>
-            <a:ext cx="125730" cy="293608"/>
+          <p:cNvPr id="9" name="Text 6"/>
+          <p:cNvSpPr/>
+          <p:nvPr/>
+        </p:nvSpPr>
+        <p:spPr>
+          <a:xfrm>
+            <a:off x="6477238" y="3211235"/>
+            <a:ext cx="135969" cy="317659"/>
           </a:xfrm>
           <a:prstGeom prst="rect">
             <a:avLst/>
@@ -2442,12 +1991,12 @@
           <a:p>
             <a:pPr marL="0" indent="0" algn="ctr">
               <a:lnSpc>
-                <a:spcPts val="2310"/>
+                <a:spcPts val="2500"/>
               </a:lnSpc>
               <a:buNone/>
             </a:pPr>
             <a:r>
-              <a:rPr lang="en-US" sz="2310" dirty="0">
+              <a:rPr lang="en-US" sz="2500" dirty="0">
                 <a:solidFill>
                   <a:srgbClr val="3C3939"/>
                 </a:solidFill>
@@ -2457,7 +2006,7 @@
               </a:rPr>
               <a:t>1</a:t>
             </a:r>
-            <a:endParaRPr lang="en-US" sz="2310" dirty="0">
+            <a:endParaRPr lang="en-US" sz="2500" dirty="0">
               <a:solidFill>
                 <a:srgbClr val="3C3939"/>
               </a:solidFill>
@@ -2470,14 +2019,14 @@
       </p:sp>
       <p:sp>
         <p:nvSpPr>
-          <p:cNvPr id="8" name="Text 5"/>
-          <p:cNvSpPr/>
-          <p:nvPr/>
-        </p:nvSpPr>
-        <p:spPr>
-          <a:xfrm>
-            <a:off x="1321237" y="3192899"/>
-            <a:ext cx="2447092" cy="305753"/>
+          <p:cNvPr id="10" name="Text 7"/>
+          <p:cNvSpPr/>
+          <p:nvPr/>
+        </p:nvSpPr>
+        <p:spPr>
+          <a:xfrm>
+            <a:off x="7710011" y="3105269"/>
+            <a:ext cx="2647236" cy="330756"/>
           </a:xfrm>
           <a:prstGeom prst="rect">
             <a:avLst/>
@@ -2488,14 +2037,14 @@
           <a:bodyPr wrap="none" rtlCol="0" anchor="t"/>
           <a:lstStyle/>
           <a:p>
-            <a:pPr marL="0" indent="0">
+            <a:pPr marL="0" indent="0" algn="l">
               <a:lnSpc>
-                <a:spcPts val="2410"/>
+                <a:spcPts val="2605"/>
               </a:lnSpc>
               <a:buNone/>
             </a:pPr>
             <a:r>
-              <a:rPr lang="en-US" sz="1925" dirty="0">
+              <a:rPr lang="en-US" sz="2085" dirty="0">
                 <a:solidFill>
                   <a:srgbClr val="3C3939"/>
                 </a:solidFill>
@@ -2503,9 +2052,9 @@
                 <a:ea typeface="Raleway" pitchFamily="34" charset="-122"/>
                 <a:cs typeface="Arial" panose="020B0604020202020204" pitchFamily="34" charset="0"/>
               </a:rPr>
-              <a:t>Data Availability</a:t>
-            </a:r>
-            <a:endParaRPr lang="en-US" sz="1925" dirty="0">
+              <a:t>Data Collection</a:t>
+            </a:r>
+            <a:endParaRPr lang="en-US" sz="2085" dirty="0">
               <a:solidFill>
                 <a:srgbClr val="3C3939"/>
               </a:solidFill>
@@ -2518,14 +2067,14 @@
       </p:sp>
       <p:sp>
         <p:nvSpPr>
-          <p:cNvPr id="9" name="Text 6"/>
-          <p:cNvSpPr/>
-          <p:nvPr/>
-        </p:nvSpPr>
-        <p:spPr>
-          <a:xfrm>
-            <a:off x="1321237" y="3616047"/>
-            <a:ext cx="7137678" cy="313134"/>
+          <p:cNvPr id="11" name="Text 8"/>
+          <p:cNvSpPr/>
+          <p:nvPr/>
+        </p:nvSpPr>
+        <p:spPr>
+          <a:xfrm>
+            <a:off x="7710011" y="3563064"/>
+            <a:ext cx="6179225" cy="338852"/>
           </a:xfrm>
           <a:prstGeom prst="rect">
             <a:avLst/>
@@ -2536,14 +2085,14 @@
           <a:bodyPr wrap="none" rtlCol="0" anchor="t"/>
           <a:lstStyle/>
           <a:p>
-            <a:pPr marL="0" indent="0">
+            <a:pPr marL="0" indent="0" algn="l">
               <a:lnSpc>
-                <a:spcPts val="2465"/>
+                <a:spcPts val="2670"/>
               </a:lnSpc>
               <a:buNone/>
             </a:pPr>
             <a:r>
-              <a:rPr lang="en-US" sz="1540" dirty="0">
+              <a:rPr lang="en-US" sz="1670" dirty="0">
                 <a:solidFill>
                   <a:srgbClr val="3C3939"/>
                 </a:solidFill>
@@ -2551,9 +2100,9 @@
                 <a:ea typeface="Roboto" pitchFamily="34" charset="-122"/>
                 <a:cs typeface="Arial" panose="020B0604020202020204" pitchFamily="34" charset="0"/>
               </a:rPr>
-              <a:t>Accessing high-quality, diverse training datasets</a:t>
-            </a:r>
-            <a:endParaRPr lang="en-US" sz="1540" dirty="0">
+              <a:t>Gathering multilingual text for model training</a:t>
+            </a:r>
+            <a:endParaRPr lang="en-US" sz="1670" dirty="0">
               <a:solidFill>
                 <a:srgbClr val="3C3939"/>
               </a:solidFill>
@@ -2566,18 +2115,39 @@
       </p:sp>
       <p:sp>
         <p:nvSpPr>
-          <p:cNvPr id="10" name="Shape 7"/>
-          <p:cNvSpPr/>
-          <p:nvPr/>
-        </p:nvSpPr>
-        <p:spPr>
-          <a:xfrm>
-            <a:off x="685086" y="4345067"/>
-            <a:ext cx="440412" cy="440412"/>
+          <p:cNvPr id="12" name="Shape 9"/>
+          <p:cNvSpPr/>
+          <p:nvPr/>
+        </p:nvSpPr>
+        <p:spPr>
+          <a:xfrm>
+            <a:off x="6760607" y="4790361"/>
+            <a:ext cx="741164" cy="22860"/>
           </a:xfrm>
           <a:prstGeom prst="roundRect">
             <a:avLst>
-              <a:gd name="adj" fmla="val 18670"/>
+              <a:gd name="adj" fmla="val 389109"/>
+            </a:avLst>
+          </a:prstGeom>
+          <a:solidFill>
+            <a:srgbClr val="C7C7D0"/>
+          </a:solidFill>
+        </p:spPr>
+      </p:sp>
+      <p:sp>
+        <p:nvSpPr>
+          <p:cNvPr id="13" name="Shape 10"/>
+          <p:cNvSpPr/>
+          <p:nvPr/>
+        </p:nvSpPr>
+        <p:spPr>
+          <a:xfrm>
+            <a:off x="6306979" y="4563547"/>
+            <a:ext cx="476488" cy="476488"/>
+          </a:xfrm>
+          <a:prstGeom prst="roundRect">
+            <a:avLst>
+              <a:gd name="adj" fmla="val 18668"/>
             </a:avLst>
           </a:prstGeom>
           <a:solidFill>
@@ -2593,14 +2163,14 @@
       </p:sp>
       <p:sp>
         <p:nvSpPr>
-          <p:cNvPr id="11" name="Text 8"/>
-          <p:cNvSpPr/>
-          <p:nvPr/>
-        </p:nvSpPr>
-        <p:spPr>
-          <a:xfrm>
-            <a:off x="828794" y="4418409"/>
-            <a:ext cx="152995" cy="293608"/>
+          <p:cNvPr id="14" name="Text 11"/>
+          <p:cNvSpPr/>
+          <p:nvPr/>
+        </p:nvSpPr>
+        <p:spPr>
+          <a:xfrm>
+            <a:off x="6462355" y="4642961"/>
+            <a:ext cx="165616" cy="317659"/>
           </a:xfrm>
           <a:prstGeom prst="rect">
             <a:avLst/>
@@ -2613,12 +2183,12 @@
           <a:p>
             <a:pPr marL="0" indent="0" algn="ctr">
               <a:lnSpc>
-                <a:spcPts val="2310"/>
+                <a:spcPts val="2500"/>
               </a:lnSpc>
               <a:buNone/>
             </a:pPr>
             <a:r>
-              <a:rPr lang="en-US" sz="2310" dirty="0">
+              <a:rPr lang="en-US" sz="2500" dirty="0">
                 <a:solidFill>
                   <a:srgbClr val="3C3939"/>
                 </a:solidFill>
@@ -2628,7 +2198,7 @@
               </a:rPr>
               <a:t>2</a:t>
             </a:r>
-            <a:endParaRPr lang="en-US" sz="2310" dirty="0">
+            <a:endParaRPr lang="en-US" sz="2500" dirty="0">
               <a:solidFill>
                 <a:srgbClr val="3C3939"/>
               </a:solidFill>
@@ -2641,14 +2211,14 @@
       </p:sp>
       <p:sp>
         <p:nvSpPr>
-          <p:cNvPr id="12" name="Text 9"/>
-          <p:cNvSpPr/>
-          <p:nvPr/>
-        </p:nvSpPr>
-        <p:spPr>
-          <a:xfrm>
-            <a:off x="1321237" y="4345067"/>
-            <a:ext cx="2447092" cy="305753"/>
+          <p:cNvPr id="15" name="Text 12"/>
+          <p:cNvSpPr/>
+          <p:nvPr/>
+        </p:nvSpPr>
+        <p:spPr>
+          <a:xfrm>
+            <a:off x="7710011" y="4536996"/>
+            <a:ext cx="2647236" cy="330756"/>
           </a:xfrm>
           <a:prstGeom prst="rect">
             <a:avLst/>
@@ -2659,14 +2229,14 @@
           <a:bodyPr wrap="none" rtlCol="0" anchor="t"/>
           <a:lstStyle/>
           <a:p>
-            <a:pPr marL="0" indent="0">
+            <a:pPr marL="0" indent="0" algn="l">
               <a:lnSpc>
-                <a:spcPts val="2410"/>
+                <a:spcPts val="2605"/>
               </a:lnSpc>
               <a:buNone/>
             </a:pPr>
             <a:r>
-              <a:rPr lang="en-US" sz="1925" dirty="0">
+              <a:rPr lang="en-US" sz="2085" dirty="0">
                 <a:solidFill>
                   <a:srgbClr val="3C3939"/>
                 </a:solidFill>
@@ -2674,9 +2244,9 @@
                 <a:ea typeface="Raleway" pitchFamily="34" charset="-122"/>
                 <a:cs typeface="Arial" panose="020B0604020202020204" pitchFamily="34" charset="0"/>
               </a:rPr>
-              <a:t>Model Complexity</a:t>
-            </a:r>
-            <a:endParaRPr lang="en-US" sz="1925" dirty="0">
+              <a:t>Model Training</a:t>
+            </a:r>
+            <a:endParaRPr lang="en-US" sz="2085" dirty="0">
               <a:solidFill>
                 <a:srgbClr val="3C3939"/>
               </a:solidFill>
@@ -2689,14 +2259,14 @@
       </p:sp>
       <p:sp>
         <p:nvSpPr>
-          <p:cNvPr id="13" name="Text 10"/>
-          <p:cNvSpPr/>
-          <p:nvPr/>
-        </p:nvSpPr>
-        <p:spPr>
-          <a:xfrm>
-            <a:off x="1321237" y="4768215"/>
-            <a:ext cx="7137678" cy="313134"/>
+          <p:cNvPr id="16" name="Text 13"/>
+          <p:cNvSpPr/>
+          <p:nvPr/>
+        </p:nvSpPr>
+        <p:spPr>
+          <a:xfrm>
+            <a:off x="7710011" y="4994791"/>
+            <a:ext cx="6179225" cy="338852"/>
           </a:xfrm>
           <a:prstGeom prst="rect">
             <a:avLst/>
@@ -2707,14 +2277,14 @@
           <a:bodyPr wrap="none" rtlCol="0" anchor="t"/>
           <a:lstStyle/>
           <a:p>
-            <a:pPr marL="0" indent="0">
+            <a:pPr marL="0" indent="0" algn="l">
               <a:lnSpc>
-                <a:spcPts val="2465"/>
+                <a:spcPts val="2670"/>
               </a:lnSpc>
               <a:buNone/>
             </a:pPr>
             <a:r>
-              <a:rPr lang="en-US" sz="1540" dirty="0">
+              <a:rPr lang="en-US" sz="1670" dirty="0">
                 <a:solidFill>
                   <a:srgbClr val="3C3939"/>
                 </a:solidFill>
@@ -2722,9 +2292,9 @@
                 <a:ea typeface="Roboto" pitchFamily="34" charset="-122"/>
                 <a:cs typeface="Arial" panose="020B0604020202020204" pitchFamily="34" charset="0"/>
               </a:rPr>
-              <a:t>Designing robust neural networks for translation</a:t>
-            </a:r>
-            <a:endParaRPr lang="en-US" sz="1540" dirty="0">
+              <a:t>Leveraging neural networks to learn translation patterns</a:t>
+            </a:r>
+            <a:endParaRPr lang="en-US" sz="1670" dirty="0">
               <a:solidFill>
                 <a:srgbClr val="3C3939"/>
               </a:solidFill>
@@ -2737,18 +2307,39 @@
       </p:sp>
       <p:sp>
         <p:nvSpPr>
-          <p:cNvPr id="14" name="Shape 11"/>
-          <p:cNvSpPr/>
-          <p:nvPr/>
-        </p:nvSpPr>
-        <p:spPr>
-          <a:xfrm>
-            <a:off x="685086" y="5497235"/>
-            <a:ext cx="440412" cy="440412"/>
+          <p:cNvPr id="17" name="Shape 14"/>
+          <p:cNvSpPr/>
+          <p:nvPr/>
+        </p:nvSpPr>
+        <p:spPr>
+          <a:xfrm>
+            <a:off x="6760607" y="6222087"/>
+            <a:ext cx="741164" cy="22860"/>
           </a:xfrm>
           <a:prstGeom prst="roundRect">
             <a:avLst>
-              <a:gd name="adj" fmla="val 18670"/>
+              <a:gd name="adj" fmla="val 389109"/>
+            </a:avLst>
+          </a:prstGeom>
+          <a:solidFill>
+            <a:srgbClr val="C7C7D0"/>
+          </a:solidFill>
+        </p:spPr>
+      </p:sp>
+      <p:sp>
+        <p:nvSpPr>
+          <p:cNvPr id="18" name="Shape 15"/>
+          <p:cNvSpPr/>
+          <p:nvPr/>
+        </p:nvSpPr>
+        <p:spPr>
+          <a:xfrm>
+            <a:off x="6306979" y="5995273"/>
+            <a:ext cx="476488" cy="476488"/>
+          </a:xfrm>
+          <a:prstGeom prst="roundRect">
+            <a:avLst>
+              <a:gd name="adj" fmla="val 18668"/>
             </a:avLst>
           </a:prstGeom>
           <a:solidFill>
@@ -2764,14 +2355,14 @@
       </p:sp>
       <p:sp>
         <p:nvSpPr>
-          <p:cNvPr id="15" name="Text 12"/>
-          <p:cNvSpPr/>
-          <p:nvPr/>
-        </p:nvSpPr>
-        <p:spPr>
-          <a:xfrm>
-            <a:off x="826889" y="5570577"/>
-            <a:ext cx="156805" cy="293608"/>
+          <p:cNvPr id="19" name="Text 16"/>
+          <p:cNvSpPr/>
+          <p:nvPr/>
+        </p:nvSpPr>
+        <p:spPr>
+          <a:xfrm>
+            <a:off x="6460331" y="6074688"/>
+            <a:ext cx="169664" cy="317659"/>
           </a:xfrm>
           <a:prstGeom prst="rect">
             <a:avLst/>
@@ -2784,12 +2375,12 @@
           <a:p>
             <a:pPr marL="0" indent="0" algn="ctr">
               <a:lnSpc>
-                <a:spcPts val="2310"/>
+                <a:spcPts val="2500"/>
               </a:lnSpc>
               <a:buNone/>
             </a:pPr>
             <a:r>
-              <a:rPr lang="en-US" sz="2310" dirty="0">
+              <a:rPr lang="en-US" sz="2500" dirty="0">
                 <a:solidFill>
                   <a:srgbClr val="3C3939"/>
                 </a:solidFill>
@@ -2799,7 +2390,7 @@
               </a:rPr>
               <a:t>3</a:t>
             </a:r>
-            <a:endParaRPr lang="en-US" sz="2310" dirty="0">
+            <a:endParaRPr lang="en-US" sz="2500" dirty="0">
               <a:solidFill>
                 <a:srgbClr val="3C3939"/>
               </a:solidFill>
@@ -2812,14 +2403,14 @@
       </p:sp>
       <p:sp>
         <p:nvSpPr>
-          <p:cNvPr id="16" name="Text 13"/>
-          <p:cNvSpPr/>
-          <p:nvPr/>
-        </p:nvSpPr>
-        <p:spPr>
-          <a:xfrm>
-            <a:off x="1321237" y="5497235"/>
-            <a:ext cx="2447092" cy="305753"/>
+          <p:cNvPr id="20" name="Text 17"/>
+          <p:cNvSpPr/>
+          <p:nvPr/>
+        </p:nvSpPr>
+        <p:spPr>
+          <a:xfrm>
+            <a:off x="7710011" y="5968722"/>
+            <a:ext cx="2647236" cy="330756"/>
           </a:xfrm>
           <a:prstGeom prst="rect">
             <a:avLst/>
@@ -2830,14 +2421,14 @@
           <a:bodyPr wrap="none" rtlCol="0" anchor="t"/>
           <a:lstStyle/>
           <a:p>
-            <a:pPr marL="0" indent="0">
+            <a:pPr marL="0" indent="0" algn="l">
               <a:lnSpc>
-                <a:spcPts val="2410"/>
+                <a:spcPts val="2605"/>
               </a:lnSpc>
               <a:buNone/>
             </a:pPr>
             <a:r>
-              <a:rPr lang="en-US" sz="1925" dirty="0">
+              <a:rPr lang="en-US" sz="2085" dirty="0">
                 <a:solidFill>
                   <a:srgbClr val="3C3939"/>
                 </a:solidFill>
@@ -2845,9 +2436,9 @@
                 <a:ea typeface="Raleway" pitchFamily="34" charset="-122"/>
                 <a:cs typeface="Arial" panose="020B0604020202020204" pitchFamily="34" charset="0"/>
               </a:rPr>
-              <a:t>Language Nuances</a:t>
-            </a:r>
-            <a:endParaRPr lang="en-US" sz="1925" dirty="0">
+              <a:t>Real-time Translation</a:t>
+            </a:r>
+            <a:endParaRPr lang="en-US" sz="2085" dirty="0">
               <a:solidFill>
                 <a:srgbClr val="3C3939"/>
               </a:solidFill>
@@ -2860,14 +2451,14 @@
       </p:sp>
       <p:sp>
         <p:nvSpPr>
-          <p:cNvPr id="17" name="Text 14"/>
-          <p:cNvSpPr/>
-          <p:nvPr/>
-        </p:nvSpPr>
-        <p:spPr>
-          <a:xfrm>
-            <a:off x="1321237" y="5920383"/>
-            <a:ext cx="7137678" cy="313134"/>
+          <p:cNvPr id="21" name="Text 18"/>
+          <p:cNvSpPr/>
+          <p:nvPr/>
+        </p:nvSpPr>
+        <p:spPr>
+          <a:xfrm>
+            <a:off x="7710011" y="6426518"/>
+            <a:ext cx="6179225" cy="338852"/>
           </a:xfrm>
           <a:prstGeom prst="rect">
             <a:avLst/>
@@ -2878,14 +2469,14 @@
           <a:bodyPr wrap="none" rtlCol="0" anchor="t"/>
           <a:lstStyle/>
           <a:p>
-            <a:pPr marL="0" indent="0">
+            <a:pPr marL="0" indent="0" algn="l">
               <a:lnSpc>
-                <a:spcPts val="2465"/>
+                <a:spcPts val="2670"/>
               </a:lnSpc>
               <a:buNone/>
             </a:pPr>
             <a:r>
-              <a:rPr lang="en-US" sz="1540" dirty="0">
+              <a:rPr lang="en-US" sz="1670" dirty="0">
                 <a:solidFill>
                   <a:srgbClr val="3C3939"/>
                 </a:solidFill>
@@ -2893,180 +2484,9 @@
                 <a:ea typeface="Roboto" pitchFamily="34" charset="-122"/>
                 <a:cs typeface="Arial" panose="020B0604020202020204" pitchFamily="34" charset="0"/>
               </a:rPr>
-              <a:t>Capturing contextual and cultural differences</a:t>
-            </a:r>
-            <a:endParaRPr lang="en-US" sz="1540" dirty="0">
-              <a:solidFill>
-                <a:srgbClr val="3C3939"/>
-              </a:solidFill>
-              <a:latin typeface="Arial" panose="020B0604020202020204" pitchFamily="34" charset="0"/>
-              <a:ea typeface="Roboto" pitchFamily="34" charset="-122"/>
-              <a:cs typeface="Arial" panose="020B0604020202020204" pitchFamily="34" charset="0"/>
-            </a:endParaRPr>
-          </a:p>
-        </p:txBody>
-      </p:sp>
-      <p:sp>
-        <p:nvSpPr>
-          <p:cNvPr id="18" name="Shape 15"/>
-          <p:cNvSpPr/>
-          <p:nvPr/>
-        </p:nvSpPr>
-        <p:spPr>
-          <a:xfrm>
-            <a:off x="685086" y="6649403"/>
-            <a:ext cx="440412" cy="440412"/>
-          </a:xfrm>
-          <a:prstGeom prst="roundRect">
-            <a:avLst>
-              <a:gd name="adj" fmla="val 18670"/>
-            </a:avLst>
-          </a:prstGeom>
-          <a:solidFill>
-            <a:srgbClr val="E1E1EA"/>
-          </a:solidFill>
-          <a:ln w="7620">
-            <a:solidFill>
-              <a:srgbClr val="C7C7D0"/>
-            </a:solidFill>
-            <a:prstDash val="solid"/>
-          </a:ln>
-        </p:spPr>
-      </p:sp>
-      <p:sp>
-        <p:nvSpPr>
-          <p:cNvPr id="19" name="Text 16"/>
-          <p:cNvSpPr/>
-          <p:nvPr/>
-        </p:nvSpPr>
-        <p:spPr>
-          <a:xfrm>
-            <a:off x="825103" y="6722745"/>
-            <a:ext cx="160258" cy="293608"/>
-          </a:xfrm>
-          <a:prstGeom prst="rect">
-            <a:avLst/>
-          </a:prstGeom>
-          <a:noFill/>
-        </p:spPr>
-        <p:txBody>
-          <a:bodyPr wrap="none" rtlCol="0" anchor="t"/>
-          <a:lstStyle/>
-          <a:p>
-            <a:pPr marL="0" indent="0" algn="ctr">
-              <a:lnSpc>
-                <a:spcPts val="2310"/>
-              </a:lnSpc>
-              <a:buNone/>
-            </a:pPr>
-            <a:r>
-              <a:rPr lang="en-US" sz="2310" dirty="0">
-                <a:solidFill>
-                  <a:srgbClr val="3C3939"/>
-                </a:solidFill>
-                <a:latin typeface="Arial" panose="020B0604020202020204" pitchFamily="34" charset="0"/>
-                <a:ea typeface="Raleway" pitchFamily="34" charset="-122"/>
-                <a:cs typeface="Arial" panose="020B0604020202020204" pitchFamily="34" charset="0"/>
-              </a:rPr>
-              <a:t>4</a:t>
-            </a:r>
-            <a:endParaRPr lang="en-US" sz="2310" dirty="0">
-              <a:solidFill>
-                <a:srgbClr val="3C3939"/>
-              </a:solidFill>
-              <a:latin typeface="Arial" panose="020B0604020202020204" pitchFamily="34" charset="0"/>
-              <a:ea typeface="Raleway" pitchFamily="34" charset="-122"/>
-              <a:cs typeface="Arial" panose="020B0604020202020204" pitchFamily="34" charset="0"/>
-            </a:endParaRPr>
-          </a:p>
-        </p:txBody>
-      </p:sp>
-      <p:sp>
-        <p:nvSpPr>
-          <p:cNvPr id="20" name="Text 17"/>
-          <p:cNvSpPr/>
-          <p:nvPr/>
-        </p:nvSpPr>
-        <p:spPr>
-          <a:xfrm>
-            <a:off x="1321237" y="6649403"/>
-            <a:ext cx="2912864" cy="305753"/>
-          </a:xfrm>
-          <a:prstGeom prst="rect">
-            <a:avLst/>
-          </a:prstGeom>
-          <a:noFill/>
-        </p:spPr>
-        <p:txBody>
-          <a:bodyPr wrap="none" rtlCol="0" anchor="t"/>
-          <a:lstStyle/>
-          <a:p>
-            <a:pPr marL="0" indent="0">
-              <a:lnSpc>
-                <a:spcPts val="2410"/>
-              </a:lnSpc>
-              <a:buNone/>
-            </a:pPr>
-            <a:r>
-              <a:rPr lang="en-US" sz="1925" dirty="0">
-                <a:solidFill>
-                  <a:srgbClr val="3C3939"/>
-                </a:solidFill>
-                <a:latin typeface="Arial" panose="020B0604020202020204" pitchFamily="34" charset="0"/>
-                <a:ea typeface="Raleway" pitchFamily="34" charset="-122"/>
-                <a:cs typeface="Arial" panose="020B0604020202020204" pitchFamily="34" charset="0"/>
-              </a:rPr>
-              <a:t>Computational Resources</a:t>
-            </a:r>
-            <a:endParaRPr lang="en-US" sz="1925" dirty="0">
-              <a:solidFill>
-                <a:srgbClr val="3C3939"/>
-              </a:solidFill>
-              <a:latin typeface="Arial" panose="020B0604020202020204" pitchFamily="34" charset="0"/>
-              <a:ea typeface="Raleway" pitchFamily="34" charset="-122"/>
-              <a:cs typeface="Arial" panose="020B0604020202020204" pitchFamily="34" charset="0"/>
-            </a:endParaRPr>
-          </a:p>
-        </p:txBody>
-      </p:sp>
-      <p:sp>
-        <p:nvSpPr>
-          <p:cNvPr id="21" name="Text 18"/>
-          <p:cNvSpPr/>
-          <p:nvPr/>
-        </p:nvSpPr>
-        <p:spPr>
-          <a:xfrm>
-            <a:off x="1321237" y="7072551"/>
-            <a:ext cx="7137678" cy="313134"/>
-          </a:xfrm>
-          <a:prstGeom prst="rect">
-            <a:avLst/>
-          </a:prstGeom>
-          <a:noFill/>
-        </p:spPr>
-        <p:txBody>
-          <a:bodyPr wrap="none" rtlCol="0" anchor="t"/>
-          <a:lstStyle/>
-          <a:p>
-            <a:pPr marL="0" indent="0">
-              <a:lnSpc>
-                <a:spcPts val="2465"/>
-              </a:lnSpc>
-              <a:buNone/>
-            </a:pPr>
-            <a:r>
-              <a:rPr lang="en-US" sz="1540" dirty="0">
-                <a:solidFill>
-                  <a:srgbClr val="3C3939"/>
-                </a:solidFill>
-                <a:latin typeface="Arial" panose="020B0604020202020204" pitchFamily="34" charset="0"/>
-                <a:ea typeface="Roboto" pitchFamily="34" charset="-122"/>
-                <a:cs typeface="Arial" panose="020B0604020202020204" pitchFamily="34" charset="0"/>
-              </a:rPr>
-              <a:t>Ensuring scalable, real-time translation performance</a:t>
-            </a:r>
-            <a:endParaRPr lang="en-US" sz="1540" dirty="0">
+              <a:t>Applying ML models to provide instant language conversion</a:t>
+            </a:r>
+            <a:endParaRPr lang="en-US" sz="1670" dirty="0">
               <a:solidFill>
                 <a:srgbClr val="3C3939"/>
               </a:solidFill>
@@ -3130,7 +2550,7 @@
         <p:spPr>
           <a:xfrm>
             <a:off x="0" y="0"/>
-            <a:ext cx="14630400" cy="8231862"/>
+            <a:ext cx="14630400" cy="8229600"/>
           </a:xfrm>
           <a:prstGeom prst="rect">
             <a:avLst/>
@@ -3158,8 +2578,8 @@
         </p:blipFill>
         <p:spPr>
           <a:xfrm>
-            <a:off x="0" y="0"/>
-            <a:ext cx="14630400" cy="2973110"/>
+            <a:off x="9144000" y="0"/>
+            <a:ext cx="5486400" cy="8229600"/>
           </a:xfrm>
           <a:prstGeom prst="rect">
             <a:avLst/>
@@ -3174,8 +2594,8 @@
         </p:nvSpPr>
         <p:spPr>
           <a:xfrm>
-            <a:off x="832485" y="3627120"/>
-            <a:ext cx="12965430" cy="1486376"/>
+            <a:off x="685086" y="1663700"/>
+            <a:ext cx="7773829" cy="1835229"/>
           </a:xfrm>
           <a:prstGeom prst="rect">
             <a:avLst/>
@@ -3188,12 +2608,12 @@
           <a:p>
             <a:pPr marL="0" indent="0">
               <a:lnSpc>
-                <a:spcPts val="5855"/>
+                <a:spcPts val="4815"/>
               </a:lnSpc>
               <a:buNone/>
             </a:pPr>
             <a:r>
-              <a:rPr lang="en-US" sz="4680" dirty="0">
+              <a:rPr lang="en-US" sz="3855" dirty="0">
                 <a:solidFill>
                   <a:srgbClr val="1B1B27"/>
                 </a:solidFill>
@@ -3201,9 +2621,9 @@
                 <a:ea typeface="Raleway" pitchFamily="34" charset="-122"/>
                 <a:cs typeface="Arial" panose="020B0604020202020204" pitchFamily="34" charset="0"/>
               </a:rPr>
-              <a:t>Django Framework for Building Language Translation Apps</a:t>
-            </a:r>
-            <a:endParaRPr lang="en-US" sz="4680" dirty="0">
+              <a:t>Challenges </a:t>
+            </a:r>
+            <a:endParaRPr lang="en-US" sz="3855" dirty="0">
               <a:solidFill>
                 <a:srgbClr val="1B1B27"/>
               </a:solidFill>
@@ -3214,40 +2634,43 @@
           </a:p>
         </p:txBody>
       </p:sp>
-      <p:pic>
-        <p:nvPicPr>
-          <p:cNvPr id="6" name="Image 1" descr="preencoded.png"/>
-          <p:cNvPicPr>
-            <a:picLocks noChangeAspect="1"/>
-          </p:cNvPicPr>
-          <p:nvPr/>
-        </p:nvPicPr>
-        <p:blipFill>
-          <a:blip r:embed="rId2"/>
-          <a:stretch>
-            <a:fillRect/>
-          </a:stretch>
-        </p:blipFill>
-        <p:spPr>
-          <a:xfrm>
-            <a:off x="832485" y="5470208"/>
-            <a:ext cx="594598" cy="594598"/>
-          </a:xfrm>
-          <a:prstGeom prst="rect">
-            <a:avLst/>
-          </a:prstGeom>
-        </p:spPr>
-      </p:pic>
-      <p:sp>
-        <p:nvSpPr>
-          <p:cNvPr id="7" name="Text 3"/>
-          <p:cNvSpPr/>
-          <p:nvPr/>
-        </p:nvSpPr>
-        <p:spPr>
-          <a:xfrm>
-            <a:off x="832485" y="6302573"/>
-            <a:ext cx="2973110" cy="371594"/>
+      <p:sp>
+        <p:nvSpPr>
+          <p:cNvPr id="6" name="Shape 3"/>
+          <p:cNvSpPr/>
+          <p:nvPr/>
+        </p:nvSpPr>
+        <p:spPr>
+          <a:xfrm>
+            <a:off x="685086" y="3192899"/>
+            <a:ext cx="440412" cy="440412"/>
+          </a:xfrm>
+          <a:prstGeom prst="roundRect">
+            <a:avLst>
+              <a:gd name="adj" fmla="val 18670"/>
+            </a:avLst>
+          </a:prstGeom>
+          <a:solidFill>
+            <a:srgbClr val="E1E1EA"/>
+          </a:solidFill>
+          <a:ln w="7620">
+            <a:solidFill>
+              <a:srgbClr val="C7C7D0"/>
+            </a:solidFill>
+            <a:prstDash val="solid"/>
+          </a:ln>
+        </p:spPr>
+      </p:sp>
+      <p:sp>
+        <p:nvSpPr>
+          <p:cNvPr id="7" name="Text 4"/>
+          <p:cNvSpPr/>
+          <p:nvPr/>
+        </p:nvSpPr>
+        <p:spPr>
+          <a:xfrm>
+            <a:off x="842367" y="3266242"/>
+            <a:ext cx="125730" cy="293608"/>
           </a:xfrm>
           <a:prstGeom prst="rect">
             <a:avLst/>
@@ -3258,14 +2681,14 @@
           <a:bodyPr wrap="none" rtlCol="0" anchor="t"/>
           <a:lstStyle/>
           <a:p>
-            <a:pPr marL="0" indent="0" algn="l">
+            <a:pPr marL="0" indent="0" algn="ctr">
               <a:lnSpc>
-                <a:spcPts val="2925"/>
+                <a:spcPts val="2310"/>
               </a:lnSpc>
               <a:buNone/>
             </a:pPr>
             <a:r>
-              <a:rPr lang="en-US" sz="2340" dirty="0">
+              <a:rPr lang="en-US" sz="2310" dirty="0">
                 <a:solidFill>
                   <a:srgbClr val="3C3939"/>
                 </a:solidFill>
@@ -3273,9 +2696,9 @@
                 <a:ea typeface="Raleway" pitchFamily="34" charset="-122"/>
                 <a:cs typeface="Arial" panose="020B0604020202020204" pitchFamily="34" charset="0"/>
               </a:rPr>
-              <a:t>Web Development</a:t>
-            </a:r>
-            <a:endParaRPr lang="en-US" sz="2340" dirty="0">
+              <a:t>1</a:t>
+            </a:r>
+            <a:endParaRPr lang="en-US" sz="2310" dirty="0">
               <a:solidFill>
                 <a:srgbClr val="3C3939"/>
               </a:solidFill>
@@ -3288,32 +2711,80 @@
       </p:sp>
       <p:sp>
         <p:nvSpPr>
-          <p:cNvPr id="8" name="Text 4"/>
-          <p:cNvSpPr/>
-          <p:nvPr/>
-        </p:nvSpPr>
-        <p:spPr>
-          <a:xfrm>
-            <a:off x="832485" y="6816804"/>
-            <a:ext cx="2973824" cy="761048"/>
-          </a:xfrm>
-          <a:prstGeom prst="rect">
-            <a:avLst/>
-          </a:prstGeom>
-          <a:noFill/>
-        </p:spPr>
-        <p:txBody>
-          <a:bodyPr wrap="square" rtlCol="0" anchor="t"/>
-          <a:lstStyle/>
-          <a:p>
-            <a:pPr marL="0" indent="0" algn="l">
+          <p:cNvPr id="8" name="Text 5"/>
+          <p:cNvSpPr/>
+          <p:nvPr/>
+        </p:nvSpPr>
+        <p:spPr>
+          <a:xfrm>
+            <a:off x="1321237" y="3192899"/>
+            <a:ext cx="2447092" cy="305753"/>
+          </a:xfrm>
+          <a:prstGeom prst="rect">
+            <a:avLst/>
+          </a:prstGeom>
+          <a:noFill/>
+        </p:spPr>
+        <p:txBody>
+          <a:bodyPr wrap="none" rtlCol="0" anchor="t"/>
+          <a:lstStyle/>
+          <a:p>
+            <a:pPr marL="0" indent="0">
               <a:lnSpc>
-                <a:spcPts val="2995"/>
+                <a:spcPts val="2410"/>
               </a:lnSpc>
               <a:buNone/>
             </a:pPr>
             <a:r>
-              <a:rPr lang="en-US" sz="1875" dirty="0">
+              <a:rPr lang="en-US" sz="1925" dirty="0">
+                <a:solidFill>
+                  <a:srgbClr val="3C3939"/>
+                </a:solidFill>
+                <a:latin typeface="Arial" panose="020B0604020202020204" pitchFamily="34" charset="0"/>
+                <a:ea typeface="Raleway" pitchFamily="34" charset="-122"/>
+                <a:cs typeface="Arial" panose="020B0604020202020204" pitchFamily="34" charset="0"/>
+              </a:rPr>
+              <a:t>Data Availability</a:t>
+            </a:r>
+            <a:endParaRPr lang="en-US" sz="1925" dirty="0">
+              <a:solidFill>
+                <a:srgbClr val="3C3939"/>
+              </a:solidFill>
+              <a:latin typeface="Arial" panose="020B0604020202020204" pitchFamily="34" charset="0"/>
+              <a:ea typeface="Raleway" pitchFamily="34" charset="-122"/>
+              <a:cs typeface="Arial" panose="020B0604020202020204" pitchFamily="34" charset="0"/>
+            </a:endParaRPr>
+          </a:p>
+        </p:txBody>
+      </p:sp>
+      <p:sp>
+        <p:nvSpPr>
+          <p:cNvPr id="9" name="Text 6"/>
+          <p:cNvSpPr/>
+          <p:nvPr/>
+        </p:nvSpPr>
+        <p:spPr>
+          <a:xfrm>
+            <a:off x="1321237" y="3616047"/>
+            <a:ext cx="7137678" cy="313134"/>
+          </a:xfrm>
+          <a:prstGeom prst="rect">
+            <a:avLst/>
+          </a:prstGeom>
+          <a:noFill/>
+        </p:spPr>
+        <p:txBody>
+          <a:bodyPr wrap="none" rtlCol="0" anchor="t"/>
+          <a:lstStyle/>
+          <a:p>
+            <a:pPr marL="0" indent="0">
+              <a:lnSpc>
+                <a:spcPts val="2465"/>
+              </a:lnSpc>
+              <a:buNone/>
+            </a:pPr>
+            <a:r>
+              <a:rPr lang="en-US" sz="1540" dirty="0">
                 <a:solidFill>
                   <a:srgbClr val="3C3939"/>
                 </a:solidFill>
@@ -3321,9 +2792,9 @@
                 <a:ea typeface="Roboto" pitchFamily="34" charset="-122"/>
                 <a:cs typeface="Arial" panose="020B0604020202020204" pitchFamily="34" charset="0"/>
               </a:rPr>
-              <a:t>Leverage Django's MVC architecture</a:t>
-            </a:r>
-            <a:endParaRPr lang="en-US" sz="1875" dirty="0">
+              <a:t>Accessing high-quality, diverse training datasets</a:t>
+            </a:r>
+            <a:endParaRPr lang="en-US" sz="1540" dirty="0">
               <a:solidFill>
                 <a:srgbClr val="3C3939"/>
               </a:solidFill>
@@ -3334,40 +2805,43 @@
           </a:p>
         </p:txBody>
       </p:sp>
-      <p:pic>
-        <p:nvPicPr>
-          <p:cNvPr id="9" name="Image 2" descr="preencoded.png"/>
-          <p:cNvPicPr>
-            <a:picLocks noChangeAspect="1"/>
-          </p:cNvPicPr>
-          <p:nvPr/>
-        </p:nvPicPr>
-        <p:blipFill>
-          <a:blip r:embed="rId3"/>
-          <a:stretch>
-            <a:fillRect/>
-          </a:stretch>
-        </p:blipFill>
-        <p:spPr>
-          <a:xfrm>
-            <a:off x="4163020" y="5470208"/>
-            <a:ext cx="594598" cy="594598"/>
-          </a:xfrm>
-          <a:prstGeom prst="rect">
-            <a:avLst/>
-          </a:prstGeom>
-        </p:spPr>
-      </p:pic>
-      <p:sp>
-        <p:nvSpPr>
-          <p:cNvPr id="10" name="Text 5"/>
-          <p:cNvSpPr/>
-          <p:nvPr/>
-        </p:nvSpPr>
-        <p:spPr>
-          <a:xfrm>
-            <a:off x="4163020" y="6302573"/>
-            <a:ext cx="2973110" cy="371594"/>
+      <p:sp>
+        <p:nvSpPr>
+          <p:cNvPr id="10" name="Shape 7"/>
+          <p:cNvSpPr/>
+          <p:nvPr/>
+        </p:nvSpPr>
+        <p:spPr>
+          <a:xfrm>
+            <a:off x="685086" y="4345067"/>
+            <a:ext cx="440412" cy="440412"/>
+          </a:xfrm>
+          <a:prstGeom prst="roundRect">
+            <a:avLst>
+              <a:gd name="adj" fmla="val 18670"/>
+            </a:avLst>
+          </a:prstGeom>
+          <a:solidFill>
+            <a:srgbClr val="E1E1EA"/>
+          </a:solidFill>
+          <a:ln w="7620">
+            <a:solidFill>
+              <a:srgbClr val="C7C7D0"/>
+            </a:solidFill>
+            <a:prstDash val="solid"/>
+          </a:ln>
+        </p:spPr>
+      </p:sp>
+      <p:sp>
+        <p:nvSpPr>
+          <p:cNvPr id="11" name="Text 8"/>
+          <p:cNvSpPr/>
+          <p:nvPr/>
+        </p:nvSpPr>
+        <p:spPr>
+          <a:xfrm>
+            <a:off x="828794" y="4418409"/>
+            <a:ext cx="152995" cy="293608"/>
           </a:xfrm>
           <a:prstGeom prst="rect">
             <a:avLst/>
@@ -3378,14 +2852,14 @@
           <a:bodyPr wrap="none" rtlCol="0" anchor="t"/>
           <a:lstStyle/>
           <a:p>
-            <a:pPr marL="0" indent="0" algn="l">
+            <a:pPr marL="0" indent="0" algn="ctr">
               <a:lnSpc>
-                <a:spcPts val="2925"/>
+                <a:spcPts val="2310"/>
               </a:lnSpc>
               <a:buNone/>
             </a:pPr>
             <a:r>
-              <a:rPr lang="en-US" sz="2340" dirty="0">
+              <a:rPr lang="en-US" sz="2310" dirty="0">
                 <a:solidFill>
                   <a:srgbClr val="3C3939"/>
                 </a:solidFill>
@@ -3393,9 +2867,9 @@
                 <a:ea typeface="Raleway" pitchFamily="34" charset="-122"/>
                 <a:cs typeface="Arial" panose="020B0604020202020204" pitchFamily="34" charset="0"/>
               </a:rPr>
-              <a:t>Data Modeling</a:t>
-            </a:r>
-            <a:endParaRPr lang="en-US" sz="2340" dirty="0">
+              <a:t>2</a:t>
+            </a:r>
+            <a:endParaRPr lang="en-US" sz="2310" dirty="0">
               <a:solidFill>
                 <a:srgbClr val="3C3939"/>
               </a:solidFill>
@@ -3408,32 +2882,80 @@
       </p:sp>
       <p:sp>
         <p:nvSpPr>
-          <p:cNvPr id="11" name="Text 6"/>
-          <p:cNvSpPr/>
-          <p:nvPr/>
-        </p:nvSpPr>
-        <p:spPr>
-          <a:xfrm>
-            <a:off x="4163020" y="6816804"/>
-            <a:ext cx="2973824" cy="761048"/>
-          </a:xfrm>
-          <a:prstGeom prst="rect">
-            <a:avLst/>
-          </a:prstGeom>
-          <a:noFill/>
-        </p:spPr>
-        <p:txBody>
-          <a:bodyPr wrap="square" rtlCol="0" anchor="t"/>
-          <a:lstStyle/>
-          <a:p>
-            <a:pPr marL="0" indent="0" algn="l">
+          <p:cNvPr id="12" name="Text 9"/>
+          <p:cNvSpPr/>
+          <p:nvPr/>
+        </p:nvSpPr>
+        <p:spPr>
+          <a:xfrm>
+            <a:off x="1321237" y="4345067"/>
+            <a:ext cx="2447092" cy="305753"/>
+          </a:xfrm>
+          <a:prstGeom prst="rect">
+            <a:avLst/>
+          </a:prstGeom>
+          <a:noFill/>
+        </p:spPr>
+        <p:txBody>
+          <a:bodyPr wrap="none" rtlCol="0" anchor="t"/>
+          <a:lstStyle/>
+          <a:p>
+            <a:pPr marL="0" indent="0">
               <a:lnSpc>
-                <a:spcPts val="2995"/>
+                <a:spcPts val="2410"/>
               </a:lnSpc>
               <a:buNone/>
             </a:pPr>
             <a:r>
-              <a:rPr lang="en-US" sz="1875" dirty="0">
+              <a:rPr lang="en-US" sz="1925" dirty="0">
+                <a:solidFill>
+                  <a:srgbClr val="3C3939"/>
+                </a:solidFill>
+                <a:latin typeface="Arial" panose="020B0604020202020204" pitchFamily="34" charset="0"/>
+                <a:ea typeface="Raleway" pitchFamily="34" charset="-122"/>
+                <a:cs typeface="Arial" panose="020B0604020202020204" pitchFamily="34" charset="0"/>
+              </a:rPr>
+              <a:t>Model Complexity</a:t>
+            </a:r>
+            <a:endParaRPr lang="en-US" sz="1925" dirty="0">
+              <a:solidFill>
+                <a:srgbClr val="3C3939"/>
+              </a:solidFill>
+              <a:latin typeface="Arial" panose="020B0604020202020204" pitchFamily="34" charset="0"/>
+              <a:ea typeface="Raleway" pitchFamily="34" charset="-122"/>
+              <a:cs typeface="Arial" panose="020B0604020202020204" pitchFamily="34" charset="0"/>
+            </a:endParaRPr>
+          </a:p>
+        </p:txBody>
+      </p:sp>
+      <p:sp>
+        <p:nvSpPr>
+          <p:cNvPr id="13" name="Text 10"/>
+          <p:cNvSpPr/>
+          <p:nvPr/>
+        </p:nvSpPr>
+        <p:spPr>
+          <a:xfrm>
+            <a:off x="1321237" y="4768215"/>
+            <a:ext cx="7137678" cy="313134"/>
+          </a:xfrm>
+          <a:prstGeom prst="rect">
+            <a:avLst/>
+          </a:prstGeom>
+          <a:noFill/>
+        </p:spPr>
+        <p:txBody>
+          <a:bodyPr wrap="none" rtlCol="0" anchor="t"/>
+          <a:lstStyle/>
+          <a:p>
+            <a:pPr marL="0" indent="0">
+              <a:lnSpc>
+                <a:spcPts val="2465"/>
+              </a:lnSpc>
+              <a:buNone/>
+            </a:pPr>
+            <a:r>
+              <a:rPr lang="en-US" sz="1540" dirty="0">
                 <a:solidFill>
                   <a:srgbClr val="3C3939"/>
                 </a:solidFill>
@@ -3441,9 +2963,9 @@
                 <a:ea typeface="Roboto" pitchFamily="34" charset="-122"/>
                 <a:cs typeface="Arial" panose="020B0604020202020204" pitchFamily="34" charset="0"/>
               </a:rPr>
-              <a:t>Manage multilingual content and user data</a:t>
-            </a:r>
-            <a:endParaRPr lang="en-US" sz="1875" dirty="0">
+              <a:t>Designing robust neural networks for translation</a:t>
+            </a:r>
+            <a:endParaRPr lang="en-US" sz="1540" dirty="0">
               <a:solidFill>
                 <a:srgbClr val="3C3939"/>
               </a:solidFill>
@@ -3454,40 +2976,43 @@
           </a:p>
         </p:txBody>
       </p:sp>
-      <p:pic>
-        <p:nvPicPr>
-          <p:cNvPr id="12" name="Image 3" descr="preencoded.png"/>
-          <p:cNvPicPr>
-            <a:picLocks noChangeAspect="1"/>
-          </p:cNvPicPr>
-          <p:nvPr/>
-        </p:nvPicPr>
-        <p:blipFill>
-          <a:blip r:embed="rId2"/>
-          <a:stretch>
-            <a:fillRect/>
-          </a:stretch>
-        </p:blipFill>
-        <p:spPr>
-          <a:xfrm>
-            <a:off x="7493556" y="5470208"/>
-            <a:ext cx="594598" cy="594598"/>
-          </a:xfrm>
-          <a:prstGeom prst="rect">
-            <a:avLst/>
-          </a:prstGeom>
-        </p:spPr>
-      </p:pic>
-      <p:sp>
-        <p:nvSpPr>
-          <p:cNvPr id="13" name="Text 7"/>
-          <p:cNvSpPr/>
-          <p:nvPr/>
-        </p:nvSpPr>
-        <p:spPr>
-          <a:xfrm>
-            <a:off x="7493556" y="6302573"/>
-            <a:ext cx="2973110" cy="371594"/>
+      <p:sp>
+        <p:nvSpPr>
+          <p:cNvPr id="14" name="Shape 11"/>
+          <p:cNvSpPr/>
+          <p:nvPr/>
+        </p:nvSpPr>
+        <p:spPr>
+          <a:xfrm>
+            <a:off x="685086" y="5497235"/>
+            <a:ext cx="440412" cy="440412"/>
+          </a:xfrm>
+          <a:prstGeom prst="roundRect">
+            <a:avLst>
+              <a:gd name="adj" fmla="val 18670"/>
+            </a:avLst>
+          </a:prstGeom>
+          <a:solidFill>
+            <a:srgbClr val="E1E1EA"/>
+          </a:solidFill>
+          <a:ln w="7620">
+            <a:solidFill>
+              <a:srgbClr val="C7C7D0"/>
+            </a:solidFill>
+            <a:prstDash val="solid"/>
+          </a:ln>
+        </p:spPr>
+      </p:sp>
+      <p:sp>
+        <p:nvSpPr>
+          <p:cNvPr id="15" name="Text 12"/>
+          <p:cNvSpPr/>
+          <p:nvPr/>
+        </p:nvSpPr>
+        <p:spPr>
+          <a:xfrm>
+            <a:off x="826889" y="5570577"/>
+            <a:ext cx="156805" cy="293608"/>
           </a:xfrm>
           <a:prstGeom prst="rect">
             <a:avLst/>
@@ -3498,14 +3023,14 @@
           <a:bodyPr wrap="none" rtlCol="0" anchor="t"/>
           <a:lstStyle/>
           <a:p>
-            <a:pPr marL="0" indent="0" algn="l">
+            <a:pPr marL="0" indent="0" algn="ctr">
               <a:lnSpc>
-                <a:spcPts val="2925"/>
+                <a:spcPts val="2310"/>
               </a:lnSpc>
               <a:buNone/>
             </a:pPr>
             <a:r>
-              <a:rPr lang="en-US" sz="2340" dirty="0">
+              <a:rPr lang="en-US" sz="2310" dirty="0">
                 <a:solidFill>
                   <a:srgbClr val="3C3939"/>
                 </a:solidFill>
@@ -3513,9 +3038,9 @@
                 <a:ea typeface="Raleway" pitchFamily="34" charset="-122"/>
                 <a:cs typeface="Arial" panose="020B0604020202020204" pitchFamily="34" charset="0"/>
               </a:rPr>
-              <a:t>API Integration</a:t>
-            </a:r>
-            <a:endParaRPr lang="en-US" sz="2340" dirty="0">
+              <a:t>3</a:t>
+            </a:r>
+            <a:endParaRPr lang="en-US" sz="2310" dirty="0">
               <a:solidFill>
                 <a:srgbClr val="3C3939"/>
               </a:solidFill>
@@ -3528,32 +3053,80 @@
       </p:sp>
       <p:sp>
         <p:nvSpPr>
-          <p:cNvPr id="14" name="Text 8"/>
-          <p:cNvSpPr/>
-          <p:nvPr/>
-        </p:nvSpPr>
-        <p:spPr>
-          <a:xfrm>
-            <a:off x="7493556" y="6816804"/>
-            <a:ext cx="2973824" cy="761048"/>
-          </a:xfrm>
-          <a:prstGeom prst="rect">
-            <a:avLst/>
-          </a:prstGeom>
-          <a:noFill/>
-        </p:spPr>
-        <p:txBody>
-          <a:bodyPr wrap="square" rtlCol="0" anchor="t"/>
-          <a:lstStyle/>
-          <a:p>
-            <a:pPr marL="0" indent="0" algn="l">
+          <p:cNvPr id="16" name="Text 13"/>
+          <p:cNvSpPr/>
+          <p:nvPr/>
+        </p:nvSpPr>
+        <p:spPr>
+          <a:xfrm>
+            <a:off x="1321237" y="5497235"/>
+            <a:ext cx="2447092" cy="305753"/>
+          </a:xfrm>
+          <a:prstGeom prst="rect">
+            <a:avLst/>
+          </a:prstGeom>
+          <a:noFill/>
+        </p:spPr>
+        <p:txBody>
+          <a:bodyPr wrap="none" rtlCol="0" anchor="t"/>
+          <a:lstStyle/>
+          <a:p>
+            <a:pPr marL="0" indent="0">
               <a:lnSpc>
-                <a:spcPts val="2995"/>
+                <a:spcPts val="2410"/>
               </a:lnSpc>
               <a:buNone/>
             </a:pPr>
             <a:r>
-              <a:rPr lang="en-US" sz="1875" dirty="0">
+              <a:rPr lang="en-US" sz="1925" dirty="0">
+                <a:solidFill>
+                  <a:srgbClr val="3C3939"/>
+                </a:solidFill>
+                <a:latin typeface="Arial" panose="020B0604020202020204" pitchFamily="34" charset="0"/>
+                <a:ea typeface="Raleway" pitchFamily="34" charset="-122"/>
+                <a:cs typeface="Arial" panose="020B0604020202020204" pitchFamily="34" charset="0"/>
+              </a:rPr>
+              <a:t>Language Nuances</a:t>
+            </a:r>
+            <a:endParaRPr lang="en-US" sz="1925" dirty="0">
+              <a:solidFill>
+                <a:srgbClr val="3C3939"/>
+              </a:solidFill>
+              <a:latin typeface="Arial" panose="020B0604020202020204" pitchFamily="34" charset="0"/>
+              <a:ea typeface="Raleway" pitchFamily="34" charset="-122"/>
+              <a:cs typeface="Arial" panose="020B0604020202020204" pitchFamily="34" charset="0"/>
+            </a:endParaRPr>
+          </a:p>
+        </p:txBody>
+      </p:sp>
+      <p:sp>
+        <p:nvSpPr>
+          <p:cNvPr id="17" name="Text 14"/>
+          <p:cNvSpPr/>
+          <p:nvPr/>
+        </p:nvSpPr>
+        <p:spPr>
+          <a:xfrm>
+            <a:off x="1321237" y="5920383"/>
+            <a:ext cx="7137678" cy="313134"/>
+          </a:xfrm>
+          <a:prstGeom prst="rect">
+            <a:avLst/>
+          </a:prstGeom>
+          <a:noFill/>
+        </p:spPr>
+        <p:txBody>
+          <a:bodyPr wrap="none" rtlCol="0" anchor="t"/>
+          <a:lstStyle/>
+          <a:p>
+            <a:pPr marL="0" indent="0">
+              <a:lnSpc>
+                <a:spcPts val="2465"/>
+              </a:lnSpc>
+              <a:buNone/>
+            </a:pPr>
+            <a:r>
+              <a:rPr lang="en-US" sz="1540" dirty="0">
                 <a:solidFill>
                   <a:srgbClr val="3C3939"/>
                 </a:solidFill>
@@ -3561,9 +3134,9 @@
                 <a:ea typeface="Roboto" pitchFamily="34" charset="-122"/>
                 <a:cs typeface="Arial" panose="020B0604020202020204" pitchFamily="34" charset="0"/>
               </a:rPr>
-              <a:t>Connect to translation service APIs</a:t>
-            </a:r>
-            <a:endParaRPr lang="en-US" sz="1875" dirty="0">
+              <a:t>Capturing contextual and cultural differences</a:t>
+            </a:r>
+            <a:endParaRPr lang="en-US" sz="1540" dirty="0">
               <a:solidFill>
                 <a:srgbClr val="3C3939"/>
               </a:solidFill>
@@ -3574,40 +3147,43 @@
           </a:p>
         </p:txBody>
       </p:sp>
-      <p:pic>
-        <p:nvPicPr>
-          <p:cNvPr id="15" name="Image 4" descr="preencoded.png"/>
-          <p:cNvPicPr>
-            <a:picLocks noChangeAspect="1"/>
-          </p:cNvPicPr>
-          <p:nvPr/>
-        </p:nvPicPr>
-        <p:blipFill>
-          <a:blip r:embed="rId4"/>
-          <a:stretch>
-            <a:fillRect/>
-          </a:stretch>
-        </p:blipFill>
-        <p:spPr>
-          <a:xfrm>
-            <a:off x="10824091" y="5470208"/>
-            <a:ext cx="594598" cy="594598"/>
-          </a:xfrm>
-          <a:prstGeom prst="rect">
-            <a:avLst/>
-          </a:prstGeom>
-        </p:spPr>
-      </p:pic>
-      <p:sp>
-        <p:nvSpPr>
-          <p:cNvPr id="16" name="Text 9"/>
-          <p:cNvSpPr/>
-          <p:nvPr/>
-        </p:nvSpPr>
-        <p:spPr>
-          <a:xfrm>
-            <a:off x="10824091" y="6302573"/>
-            <a:ext cx="2973110" cy="371594"/>
+      <p:sp>
+        <p:nvSpPr>
+          <p:cNvPr id="18" name="Shape 15"/>
+          <p:cNvSpPr/>
+          <p:nvPr/>
+        </p:nvSpPr>
+        <p:spPr>
+          <a:xfrm>
+            <a:off x="685086" y="6649403"/>
+            <a:ext cx="440412" cy="440412"/>
+          </a:xfrm>
+          <a:prstGeom prst="roundRect">
+            <a:avLst>
+              <a:gd name="adj" fmla="val 18670"/>
+            </a:avLst>
+          </a:prstGeom>
+          <a:solidFill>
+            <a:srgbClr val="E1E1EA"/>
+          </a:solidFill>
+          <a:ln w="7620">
+            <a:solidFill>
+              <a:srgbClr val="C7C7D0"/>
+            </a:solidFill>
+            <a:prstDash val="solid"/>
+          </a:ln>
+        </p:spPr>
+      </p:sp>
+      <p:sp>
+        <p:nvSpPr>
+          <p:cNvPr id="19" name="Text 16"/>
+          <p:cNvSpPr/>
+          <p:nvPr/>
+        </p:nvSpPr>
+        <p:spPr>
+          <a:xfrm>
+            <a:off x="825103" y="6722745"/>
+            <a:ext cx="160258" cy="293608"/>
           </a:xfrm>
           <a:prstGeom prst="rect">
             <a:avLst/>
@@ -3618,14 +3194,14 @@
           <a:bodyPr wrap="none" rtlCol="0" anchor="t"/>
           <a:lstStyle/>
           <a:p>
-            <a:pPr marL="0" indent="0" algn="l">
+            <a:pPr marL="0" indent="0" algn="ctr">
               <a:lnSpc>
-                <a:spcPts val="2925"/>
+                <a:spcPts val="2310"/>
               </a:lnSpc>
               <a:buNone/>
             </a:pPr>
             <a:r>
-              <a:rPr lang="en-US" sz="2340" dirty="0">
+              <a:rPr lang="en-US" sz="2310" dirty="0">
                 <a:solidFill>
                   <a:srgbClr val="3C3939"/>
                 </a:solidFill>
@@ -3633,9 +3209,9 @@
                 <a:ea typeface="Raleway" pitchFamily="34" charset="-122"/>
                 <a:cs typeface="Arial" panose="020B0604020202020204" pitchFamily="34" charset="0"/>
               </a:rPr>
-              <a:t>Scalability</a:t>
-            </a:r>
-            <a:endParaRPr lang="en-US" sz="2340" dirty="0">
+              <a:t>4</a:t>
+            </a:r>
+            <a:endParaRPr lang="en-US" sz="2310" dirty="0">
               <a:solidFill>
                 <a:srgbClr val="3C3939"/>
               </a:solidFill>
@@ -3648,32 +3224,80 @@
       </p:sp>
       <p:sp>
         <p:nvSpPr>
-          <p:cNvPr id="17" name="Text 10"/>
-          <p:cNvSpPr/>
-          <p:nvPr/>
-        </p:nvSpPr>
-        <p:spPr>
-          <a:xfrm>
-            <a:off x="10824091" y="6816804"/>
-            <a:ext cx="2973824" cy="761048"/>
-          </a:xfrm>
-          <a:prstGeom prst="rect">
-            <a:avLst/>
-          </a:prstGeom>
-          <a:noFill/>
-        </p:spPr>
-        <p:txBody>
-          <a:bodyPr wrap="square" rtlCol="0" anchor="t"/>
-          <a:lstStyle/>
-          <a:p>
-            <a:pPr marL="0" indent="0" algn="l">
+          <p:cNvPr id="20" name="Text 17"/>
+          <p:cNvSpPr/>
+          <p:nvPr/>
+        </p:nvSpPr>
+        <p:spPr>
+          <a:xfrm>
+            <a:off x="1321237" y="6649403"/>
+            <a:ext cx="2912864" cy="305753"/>
+          </a:xfrm>
+          <a:prstGeom prst="rect">
+            <a:avLst/>
+          </a:prstGeom>
+          <a:noFill/>
+        </p:spPr>
+        <p:txBody>
+          <a:bodyPr wrap="none" rtlCol="0" anchor="t"/>
+          <a:lstStyle/>
+          <a:p>
+            <a:pPr marL="0" indent="0">
               <a:lnSpc>
-                <a:spcPts val="2995"/>
+                <a:spcPts val="2410"/>
               </a:lnSpc>
               <a:buNone/>
             </a:pPr>
             <a:r>
-              <a:rPr lang="en-US" sz="1875" dirty="0">
+              <a:rPr lang="en-US" sz="1925" dirty="0">
+                <a:solidFill>
+                  <a:srgbClr val="3C3939"/>
+                </a:solidFill>
+                <a:latin typeface="Arial" panose="020B0604020202020204" pitchFamily="34" charset="0"/>
+                <a:ea typeface="Raleway" pitchFamily="34" charset="-122"/>
+                <a:cs typeface="Arial" panose="020B0604020202020204" pitchFamily="34" charset="0"/>
+              </a:rPr>
+              <a:t>Computational Resources</a:t>
+            </a:r>
+            <a:endParaRPr lang="en-US" sz="1925" dirty="0">
+              <a:solidFill>
+                <a:srgbClr val="3C3939"/>
+              </a:solidFill>
+              <a:latin typeface="Arial" panose="020B0604020202020204" pitchFamily="34" charset="0"/>
+              <a:ea typeface="Raleway" pitchFamily="34" charset="-122"/>
+              <a:cs typeface="Arial" panose="020B0604020202020204" pitchFamily="34" charset="0"/>
+            </a:endParaRPr>
+          </a:p>
+        </p:txBody>
+      </p:sp>
+      <p:sp>
+        <p:nvSpPr>
+          <p:cNvPr id="21" name="Text 18"/>
+          <p:cNvSpPr/>
+          <p:nvPr/>
+        </p:nvSpPr>
+        <p:spPr>
+          <a:xfrm>
+            <a:off x="1321237" y="7072551"/>
+            <a:ext cx="7137678" cy="313134"/>
+          </a:xfrm>
+          <a:prstGeom prst="rect">
+            <a:avLst/>
+          </a:prstGeom>
+          <a:noFill/>
+        </p:spPr>
+        <p:txBody>
+          <a:bodyPr wrap="none" rtlCol="0" anchor="t"/>
+          <a:lstStyle/>
+          <a:p>
+            <a:pPr marL="0" indent="0">
+              <a:lnSpc>
+                <a:spcPts val="2465"/>
+              </a:lnSpc>
+              <a:buNone/>
+            </a:pPr>
+            <a:r>
+              <a:rPr lang="en-US" sz="1540" dirty="0">
                 <a:solidFill>
                   <a:srgbClr val="3C3939"/>
                 </a:solidFill>
@@ -3681,9 +3305,9 @@
                 <a:ea typeface="Roboto" pitchFamily="34" charset="-122"/>
                 <a:cs typeface="Arial" panose="020B0604020202020204" pitchFamily="34" charset="0"/>
               </a:rPr>
-              <a:t>Deploy highly scalable translation apps</a:t>
-            </a:r>
-            <a:endParaRPr lang="en-US" sz="1875" dirty="0">
+              <a:t>Ensuring scalable, real-time translation performance</a:t>
+            </a:r>
+            <a:endParaRPr lang="en-US" sz="1540" dirty="0">
               <a:solidFill>
                 <a:srgbClr val="3C3939"/>
               </a:solidFill>
@@ -3747,7 +3371,7 @@
         <p:spPr>
           <a:xfrm>
             <a:off x="0" y="0"/>
-            <a:ext cx="14630400" cy="8229600"/>
+            <a:ext cx="14630400" cy="8231862"/>
           </a:xfrm>
           <a:prstGeom prst="rect">
             <a:avLst/>
@@ -3776,7 +3400,7 @@
         <p:spPr>
           <a:xfrm>
             <a:off x="0" y="0"/>
-            <a:ext cx="14630400" cy="2626400"/>
+            <a:ext cx="14630400" cy="2973110"/>
           </a:xfrm>
           <a:prstGeom prst="rect">
             <a:avLst/>
@@ -3791,26 +3415,26 @@
         </p:nvSpPr>
         <p:spPr>
           <a:xfrm>
-            <a:off x="1576388" y="3531751"/>
-            <a:ext cx="11312485" cy="656630"/>
-          </a:xfrm>
-          <a:prstGeom prst="rect">
-            <a:avLst/>
-          </a:prstGeom>
-          <a:noFill/>
-        </p:spPr>
-        <p:txBody>
-          <a:bodyPr wrap="none" rtlCol="0" anchor="t"/>
+            <a:off x="832485" y="3627120"/>
+            <a:ext cx="12965430" cy="1486376"/>
+          </a:xfrm>
+          <a:prstGeom prst="rect">
+            <a:avLst/>
+          </a:prstGeom>
+          <a:noFill/>
+        </p:spPr>
+        <p:txBody>
+          <a:bodyPr wrap="square" rtlCol="0" anchor="t"/>
           <a:lstStyle/>
           <a:p>
             <a:pPr marL="0" indent="0">
               <a:lnSpc>
-                <a:spcPts val="5170"/>
+                <a:spcPts val="5855"/>
               </a:lnSpc>
               <a:buNone/>
             </a:pPr>
             <a:r>
-              <a:rPr lang="en-US" sz="4135" dirty="0">
+              <a:rPr lang="en-US" sz="4680" dirty="0">
                 <a:solidFill>
                   <a:srgbClr val="1B1B27"/>
                 </a:solidFill>
@@ -3818,9 +3442,9 @@
                 <a:ea typeface="Raleway" pitchFamily="34" charset="-122"/>
                 <a:cs typeface="Arial" panose="020B0604020202020204" pitchFamily="34" charset="0"/>
               </a:rPr>
-              <a:t>Artificial Intelligence and Language Translation</a:t>
-            </a:r>
-            <a:endParaRPr lang="en-US" sz="4135" dirty="0">
+              <a:t>Django Framework for Building Language Translation Apps</a:t>
+            </a:r>
+            <a:endParaRPr lang="en-US" sz="4680" dirty="0">
               <a:solidFill>
                 <a:srgbClr val="1B1B27"/>
               </a:solidFill>
@@ -3847,8 +3471,8 @@
         </p:blipFill>
         <p:spPr>
           <a:xfrm>
-            <a:off x="1576388" y="4503539"/>
-            <a:ext cx="3825835" cy="840462"/>
+            <a:off x="832485" y="5470208"/>
+            <a:ext cx="594598" cy="594598"/>
           </a:xfrm>
           <a:prstGeom prst="rect">
             <a:avLst/>
@@ -3863,8 +3487,8 @@
         </p:nvSpPr>
         <p:spPr>
           <a:xfrm>
-            <a:off x="1786414" y="5659160"/>
-            <a:ext cx="2626400" cy="328255"/>
+            <a:off x="832485" y="6302573"/>
+            <a:ext cx="2973110" cy="371594"/>
           </a:xfrm>
           <a:prstGeom prst="rect">
             <a:avLst/>
@@ -3877,12 +3501,12 @@
           <a:p>
             <a:pPr marL="0" indent="0" algn="l">
               <a:lnSpc>
-                <a:spcPts val="2585"/>
+                <a:spcPts val="2925"/>
               </a:lnSpc>
               <a:buNone/>
             </a:pPr>
             <a:r>
-              <a:rPr lang="en-US" sz="2070" dirty="0">
+              <a:rPr lang="en-US" sz="2340" dirty="0">
                 <a:solidFill>
                   <a:srgbClr val="3C3939"/>
                 </a:solidFill>
@@ -3890,9 +3514,9 @@
                 <a:ea typeface="Raleway" pitchFamily="34" charset="-122"/>
                 <a:cs typeface="Arial" panose="020B0604020202020204" pitchFamily="34" charset="0"/>
               </a:rPr>
-              <a:t>Neural Networks</a:t>
-            </a:r>
-            <a:endParaRPr lang="en-US" sz="2070" dirty="0">
+              <a:t>Web Development</a:t>
+            </a:r>
+            <a:endParaRPr lang="en-US" sz="2340" dirty="0">
               <a:solidFill>
                 <a:srgbClr val="3C3939"/>
               </a:solidFill>
@@ -3911,8 +3535,8 @@
         </p:nvSpPr>
         <p:spPr>
           <a:xfrm>
-            <a:off x="1786414" y="6113383"/>
-            <a:ext cx="3405783" cy="672465"/>
+            <a:off x="832485" y="6816804"/>
+            <a:ext cx="2973824" cy="761048"/>
           </a:xfrm>
           <a:prstGeom prst="rect">
             <a:avLst/>
@@ -3925,12 +3549,12 @@
           <a:p>
             <a:pPr marL="0" indent="0" algn="l">
               <a:lnSpc>
-                <a:spcPts val="2645"/>
+                <a:spcPts val="2995"/>
               </a:lnSpc>
               <a:buNone/>
             </a:pPr>
             <a:r>
-              <a:rPr lang="en-US" sz="1655" dirty="0">
+              <a:rPr lang="en-US" sz="1875" dirty="0">
                 <a:solidFill>
                   <a:srgbClr val="3C3939"/>
                 </a:solidFill>
@@ -3938,9 +3562,9 @@
                 <a:ea typeface="Roboto" pitchFamily="34" charset="-122"/>
                 <a:cs typeface="Arial" panose="020B0604020202020204" pitchFamily="34" charset="0"/>
               </a:rPr>
-              <a:t>Advanced models for contextual translation</a:t>
-            </a:r>
-            <a:endParaRPr lang="en-US" sz="1655" dirty="0">
+              <a:t>Leverage Django's MVC architecture</a:t>
+            </a:r>
+            <a:endParaRPr lang="en-US" sz="1875" dirty="0">
               <a:solidFill>
                 <a:srgbClr val="3C3939"/>
               </a:solidFill>
@@ -3967,8 +3591,8 @@
         </p:blipFill>
         <p:spPr>
           <a:xfrm>
-            <a:off x="5402223" y="4503539"/>
-            <a:ext cx="3825835" cy="840462"/>
+            <a:off x="4163020" y="5470208"/>
+            <a:ext cx="594598" cy="594598"/>
           </a:xfrm>
           <a:prstGeom prst="rect">
             <a:avLst/>
@@ -3983,26 +3607,26 @@
         </p:nvSpPr>
         <p:spPr>
           <a:xfrm>
-            <a:off x="5612249" y="5659160"/>
-            <a:ext cx="3405783" cy="656511"/>
-          </a:xfrm>
-          <a:prstGeom prst="rect">
-            <a:avLst/>
-          </a:prstGeom>
-          <a:noFill/>
-        </p:spPr>
-        <p:txBody>
-          <a:bodyPr wrap="square" rtlCol="0" anchor="t"/>
+            <a:off x="4163020" y="6302573"/>
+            <a:ext cx="2973110" cy="371594"/>
+          </a:xfrm>
+          <a:prstGeom prst="rect">
+            <a:avLst/>
+          </a:prstGeom>
+          <a:noFill/>
+        </p:spPr>
+        <p:txBody>
+          <a:bodyPr wrap="none" rtlCol="0" anchor="t"/>
           <a:lstStyle/>
           <a:p>
             <a:pPr marL="0" indent="0" algn="l">
               <a:lnSpc>
-                <a:spcPts val="2585"/>
+                <a:spcPts val="2925"/>
               </a:lnSpc>
               <a:buNone/>
             </a:pPr>
             <a:r>
-              <a:rPr lang="en-US" sz="2070" dirty="0">
+              <a:rPr lang="en-US" sz="2340" dirty="0">
                 <a:solidFill>
                   <a:srgbClr val="3C3939"/>
                 </a:solidFill>
@@ -4010,9 +3634,9 @@
                 <a:ea typeface="Raleway" pitchFamily="34" charset="-122"/>
                 <a:cs typeface="Arial" panose="020B0604020202020204" pitchFamily="34" charset="0"/>
               </a:rPr>
-              <a:t>Natural Language Processing</a:t>
-            </a:r>
-            <a:endParaRPr lang="en-US" sz="2070" dirty="0">
+              <a:t>Data Modeling</a:t>
+            </a:r>
+            <a:endParaRPr lang="en-US" sz="2340" dirty="0">
               <a:solidFill>
                 <a:srgbClr val="3C3939"/>
               </a:solidFill>
@@ -4031,8 +3655,8 @@
         </p:nvSpPr>
         <p:spPr>
           <a:xfrm>
-            <a:off x="5612249" y="6441638"/>
-            <a:ext cx="3405783" cy="672465"/>
+            <a:off x="4163020" y="6816804"/>
+            <a:ext cx="2973824" cy="761048"/>
           </a:xfrm>
           <a:prstGeom prst="rect">
             <a:avLst/>
@@ -4045,12 +3669,12 @@
           <a:p>
             <a:pPr marL="0" indent="0" algn="l">
               <a:lnSpc>
-                <a:spcPts val="2645"/>
+                <a:spcPts val="2995"/>
               </a:lnSpc>
               <a:buNone/>
             </a:pPr>
             <a:r>
-              <a:rPr lang="en-US" sz="1655" dirty="0">
+              <a:rPr lang="en-US" sz="1875" dirty="0">
                 <a:solidFill>
                   <a:srgbClr val="3C3939"/>
                 </a:solidFill>
@@ -4058,9 +3682,9 @@
                 <a:ea typeface="Roboto" pitchFamily="34" charset="-122"/>
                 <a:cs typeface="Arial" panose="020B0604020202020204" pitchFamily="34" charset="0"/>
               </a:rPr>
-              <a:t>Understand language structure and semantics</a:t>
-            </a:r>
-            <a:endParaRPr lang="en-US" sz="1655" dirty="0">
+              <a:t>Manage multilingual content and user data</a:t>
+            </a:r>
+            <a:endParaRPr lang="en-US" sz="1875" dirty="0">
               <a:solidFill>
                 <a:srgbClr val="3C3939"/>
               </a:solidFill>
@@ -4080,15 +3704,15 @@
           <p:nvPr/>
         </p:nvPicPr>
         <p:blipFill>
-          <a:blip r:embed="rId4"/>
+          <a:blip r:embed="rId2"/>
           <a:stretch>
             <a:fillRect/>
           </a:stretch>
         </p:blipFill>
         <p:spPr>
           <a:xfrm>
-            <a:off x="9228058" y="4503539"/>
-            <a:ext cx="3825954" cy="840462"/>
+            <a:off x="7493556" y="5470208"/>
+            <a:ext cx="594598" cy="594598"/>
           </a:xfrm>
           <a:prstGeom prst="rect">
             <a:avLst/>
@@ -4103,8 +3727,8 @@
         </p:nvSpPr>
         <p:spPr>
           <a:xfrm>
-            <a:off x="9438084" y="5659160"/>
-            <a:ext cx="2626400" cy="328255"/>
+            <a:off x="7493556" y="6302573"/>
+            <a:ext cx="2973110" cy="371594"/>
           </a:xfrm>
           <a:prstGeom prst="rect">
             <a:avLst/>
@@ -4117,12 +3741,12 @@
           <a:p>
             <a:pPr marL="0" indent="0" algn="l">
               <a:lnSpc>
-                <a:spcPts val="2585"/>
+                <a:spcPts val="2925"/>
               </a:lnSpc>
               <a:buNone/>
             </a:pPr>
             <a:r>
-              <a:rPr lang="en-US" sz="2070" dirty="0">
+              <a:rPr lang="en-US" sz="2340" dirty="0">
                 <a:solidFill>
                   <a:srgbClr val="3C3939"/>
                 </a:solidFill>
@@ -4130,9 +3754,9 @@
                 <a:ea typeface="Raleway" pitchFamily="34" charset="-122"/>
                 <a:cs typeface="Arial" panose="020B0604020202020204" pitchFamily="34" charset="0"/>
               </a:rPr>
-              <a:t>Machine Learning</a:t>
-            </a:r>
-            <a:endParaRPr lang="en-US" sz="2070" dirty="0">
+              <a:t>API Integration</a:t>
+            </a:r>
+            <a:endParaRPr lang="en-US" sz="2340" dirty="0">
               <a:solidFill>
                 <a:srgbClr val="3C3939"/>
               </a:solidFill>
@@ -4151,8 +3775,8 @@
         </p:nvSpPr>
         <p:spPr>
           <a:xfrm>
-            <a:off x="9438084" y="6113383"/>
-            <a:ext cx="3405902" cy="672465"/>
+            <a:off x="7493556" y="6816804"/>
+            <a:ext cx="2973824" cy="761048"/>
           </a:xfrm>
           <a:prstGeom prst="rect">
             <a:avLst/>
@@ -4165,12 +3789,12 @@
           <a:p>
             <a:pPr marL="0" indent="0" algn="l">
               <a:lnSpc>
-                <a:spcPts val="2645"/>
+                <a:spcPts val="2995"/>
               </a:lnSpc>
               <a:buNone/>
             </a:pPr>
             <a:r>
-              <a:rPr lang="en-US" sz="1655" dirty="0">
+              <a:rPr lang="en-US" sz="1875" dirty="0">
                 <a:solidFill>
                   <a:srgbClr val="3C3939"/>
                 </a:solidFill>
@@ -4178,9 +3802,129 @@
                 <a:ea typeface="Roboto" pitchFamily="34" charset="-122"/>
                 <a:cs typeface="Arial" panose="020B0604020202020204" pitchFamily="34" charset="0"/>
               </a:rPr>
-              <a:t>Continuous model improvement through training</a:t>
-            </a:r>
-            <a:endParaRPr lang="en-US" sz="1655" dirty="0">
+              <a:t>Connect to translation service APIs</a:t>
+            </a:r>
+            <a:endParaRPr lang="en-US" sz="1875" dirty="0">
+              <a:solidFill>
+                <a:srgbClr val="3C3939"/>
+              </a:solidFill>
+              <a:latin typeface="Arial" panose="020B0604020202020204" pitchFamily="34" charset="0"/>
+              <a:ea typeface="Roboto" pitchFamily="34" charset="-122"/>
+              <a:cs typeface="Arial" panose="020B0604020202020204" pitchFamily="34" charset="0"/>
+            </a:endParaRPr>
+          </a:p>
+        </p:txBody>
+      </p:sp>
+      <p:pic>
+        <p:nvPicPr>
+          <p:cNvPr id="15" name="Image 4" descr="preencoded.png"/>
+          <p:cNvPicPr>
+            <a:picLocks noChangeAspect="1"/>
+          </p:cNvPicPr>
+          <p:nvPr/>
+        </p:nvPicPr>
+        <p:blipFill>
+          <a:blip r:embed="rId4"/>
+          <a:stretch>
+            <a:fillRect/>
+          </a:stretch>
+        </p:blipFill>
+        <p:spPr>
+          <a:xfrm>
+            <a:off x="10824091" y="5470208"/>
+            <a:ext cx="594598" cy="594598"/>
+          </a:xfrm>
+          <a:prstGeom prst="rect">
+            <a:avLst/>
+          </a:prstGeom>
+        </p:spPr>
+      </p:pic>
+      <p:sp>
+        <p:nvSpPr>
+          <p:cNvPr id="16" name="Text 9"/>
+          <p:cNvSpPr/>
+          <p:nvPr/>
+        </p:nvSpPr>
+        <p:spPr>
+          <a:xfrm>
+            <a:off x="10824091" y="6302573"/>
+            <a:ext cx="2973110" cy="371594"/>
+          </a:xfrm>
+          <a:prstGeom prst="rect">
+            <a:avLst/>
+          </a:prstGeom>
+          <a:noFill/>
+        </p:spPr>
+        <p:txBody>
+          <a:bodyPr wrap="none" rtlCol="0" anchor="t"/>
+          <a:lstStyle/>
+          <a:p>
+            <a:pPr marL="0" indent="0" algn="l">
+              <a:lnSpc>
+                <a:spcPts val="2925"/>
+              </a:lnSpc>
+              <a:buNone/>
+            </a:pPr>
+            <a:r>
+              <a:rPr lang="en-US" sz="2340" dirty="0">
+                <a:solidFill>
+                  <a:srgbClr val="3C3939"/>
+                </a:solidFill>
+                <a:latin typeface="Arial" panose="020B0604020202020204" pitchFamily="34" charset="0"/>
+                <a:ea typeface="Raleway" pitchFamily="34" charset="-122"/>
+                <a:cs typeface="Arial" panose="020B0604020202020204" pitchFamily="34" charset="0"/>
+              </a:rPr>
+              <a:t>Scalability</a:t>
+            </a:r>
+            <a:endParaRPr lang="en-US" sz="2340" dirty="0">
+              <a:solidFill>
+                <a:srgbClr val="3C3939"/>
+              </a:solidFill>
+              <a:latin typeface="Arial" panose="020B0604020202020204" pitchFamily="34" charset="0"/>
+              <a:ea typeface="Raleway" pitchFamily="34" charset="-122"/>
+              <a:cs typeface="Arial" panose="020B0604020202020204" pitchFamily="34" charset="0"/>
+            </a:endParaRPr>
+          </a:p>
+        </p:txBody>
+      </p:sp>
+      <p:sp>
+        <p:nvSpPr>
+          <p:cNvPr id="17" name="Text 10"/>
+          <p:cNvSpPr/>
+          <p:nvPr/>
+        </p:nvSpPr>
+        <p:spPr>
+          <a:xfrm>
+            <a:off x="10824091" y="6816804"/>
+            <a:ext cx="2973824" cy="761048"/>
+          </a:xfrm>
+          <a:prstGeom prst="rect">
+            <a:avLst/>
+          </a:prstGeom>
+          <a:noFill/>
+        </p:spPr>
+        <p:txBody>
+          <a:bodyPr wrap="square" rtlCol="0" anchor="t"/>
+          <a:lstStyle/>
+          <a:p>
+            <a:pPr marL="0" indent="0" algn="l">
+              <a:lnSpc>
+                <a:spcPts val="2995"/>
+              </a:lnSpc>
+              <a:buNone/>
+            </a:pPr>
+            <a:r>
+              <a:rPr lang="en-US" sz="1875" dirty="0">
+                <a:solidFill>
+                  <a:srgbClr val="3C3939"/>
+                </a:solidFill>
+                <a:latin typeface="Arial" panose="020B0604020202020204" pitchFamily="34" charset="0"/>
+                <a:ea typeface="Roboto" pitchFamily="34" charset="-122"/>
+                <a:cs typeface="Arial" panose="020B0604020202020204" pitchFamily="34" charset="0"/>
+              </a:rPr>
+              <a:t>Deploy highly scalable translation apps</a:t>
+            </a:r>
+            <a:endParaRPr lang="en-US" sz="1875" dirty="0">
               <a:solidFill>
                 <a:srgbClr val="3C3939"/>
               </a:solidFill>
@@ -4273,6 +4017,503 @@
         <p:spPr>
           <a:xfrm>
             <a:off x="0" y="0"/>
+            <a:ext cx="14630400" cy="2626400"/>
+          </a:xfrm>
+          <a:prstGeom prst="rect">
+            <a:avLst/>
+          </a:prstGeom>
+        </p:spPr>
+      </p:pic>
+      <p:sp>
+        <p:nvSpPr>
+          <p:cNvPr id="5" name="Text 2"/>
+          <p:cNvSpPr/>
+          <p:nvPr/>
+        </p:nvSpPr>
+        <p:spPr>
+          <a:xfrm>
+            <a:off x="1576388" y="3531751"/>
+            <a:ext cx="11312485" cy="656630"/>
+          </a:xfrm>
+          <a:prstGeom prst="rect">
+            <a:avLst/>
+          </a:prstGeom>
+          <a:noFill/>
+        </p:spPr>
+        <p:txBody>
+          <a:bodyPr wrap="none" rtlCol="0" anchor="t"/>
+          <a:lstStyle/>
+          <a:p>
+            <a:pPr marL="0" indent="0">
+              <a:lnSpc>
+                <a:spcPts val="5170"/>
+              </a:lnSpc>
+              <a:buNone/>
+            </a:pPr>
+            <a:r>
+              <a:rPr lang="en-US" sz="4135" dirty="0">
+                <a:solidFill>
+                  <a:srgbClr val="1B1B27"/>
+                </a:solidFill>
+                <a:latin typeface="Arial" panose="020B0604020202020204" pitchFamily="34" charset="0"/>
+                <a:ea typeface="Raleway" pitchFamily="34" charset="-122"/>
+                <a:cs typeface="Arial" panose="020B0604020202020204" pitchFamily="34" charset="0"/>
+              </a:rPr>
+              <a:t>Artificial Intelligence and Language Translation</a:t>
+            </a:r>
+            <a:endParaRPr lang="en-US" sz="4135" dirty="0">
+              <a:solidFill>
+                <a:srgbClr val="1B1B27"/>
+              </a:solidFill>
+              <a:latin typeface="Arial" panose="020B0604020202020204" pitchFamily="34" charset="0"/>
+              <a:ea typeface="Raleway" pitchFamily="34" charset="-122"/>
+              <a:cs typeface="Arial" panose="020B0604020202020204" pitchFamily="34" charset="0"/>
+            </a:endParaRPr>
+          </a:p>
+        </p:txBody>
+      </p:sp>
+      <p:pic>
+        <p:nvPicPr>
+          <p:cNvPr id="6" name="Image 1" descr="preencoded.png"/>
+          <p:cNvPicPr>
+            <a:picLocks noChangeAspect="1"/>
+          </p:cNvPicPr>
+          <p:nvPr/>
+        </p:nvPicPr>
+        <p:blipFill>
+          <a:blip r:embed="rId2"/>
+          <a:stretch>
+            <a:fillRect/>
+          </a:stretch>
+        </p:blipFill>
+        <p:spPr>
+          <a:xfrm>
+            <a:off x="1576388" y="4503539"/>
+            <a:ext cx="3825835" cy="840462"/>
+          </a:xfrm>
+          <a:prstGeom prst="rect">
+            <a:avLst/>
+          </a:prstGeom>
+        </p:spPr>
+      </p:pic>
+      <p:sp>
+        <p:nvSpPr>
+          <p:cNvPr id="7" name="Text 3"/>
+          <p:cNvSpPr/>
+          <p:nvPr/>
+        </p:nvSpPr>
+        <p:spPr>
+          <a:xfrm>
+            <a:off x="1786414" y="5659160"/>
+            <a:ext cx="2626400" cy="328255"/>
+          </a:xfrm>
+          <a:prstGeom prst="rect">
+            <a:avLst/>
+          </a:prstGeom>
+          <a:noFill/>
+        </p:spPr>
+        <p:txBody>
+          <a:bodyPr wrap="none" rtlCol="0" anchor="t"/>
+          <a:lstStyle/>
+          <a:p>
+            <a:pPr marL="0" indent="0" algn="l">
+              <a:lnSpc>
+                <a:spcPts val="2585"/>
+              </a:lnSpc>
+              <a:buNone/>
+            </a:pPr>
+            <a:r>
+              <a:rPr lang="en-US" sz="2070" dirty="0">
+                <a:solidFill>
+                  <a:srgbClr val="3C3939"/>
+                </a:solidFill>
+                <a:latin typeface="Arial" panose="020B0604020202020204" pitchFamily="34" charset="0"/>
+                <a:ea typeface="Raleway" pitchFamily="34" charset="-122"/>
+                <a:cs typeface="Arial" panose="020B0604020202020204" pitchFamily="34" charset="0"/>
+              </a:rPr>
+              <a:t>Neural Networks</a:t>
+            </a:r>
+            <a:endParaRPr lang="en-US" sz="2070" dirty="0">
+              <a:solidFill>
+                <a:srgbClr val="3C3939"/>
+              </a:solidFill>
+              <a:latin typeface="Arial" panose="020B0604020202020204" pitchFamily="34" charset="0"/>
+              <a:ea typeface="Raleway" pitchFamily="34" charset="-122"/>
+              <a:cs typeface="Arial" panose="020B0604020202020204" pitchFamily="34" charset="0"/>
+            </a:endParaRPr>
+          </a:p>
+        </p:txBody>
+      </p:sp>
+      <p:sp>
+        <p:nvSpPr>
+          <p:cNvPr id="8" name="Text 4"/>
+          <p:cNvSpPr/>
+          <p:nvPr/>
+        </p:nvSpPr>
+        <p:spPr>
+          <a:xfrm>
+            <a:off x="1786414" y="6113383"/>
+            <a:ext cx="3405783" cy="672465"/>
+          </a:xfrm>
+          <a:prstGeom prst="rect">
+            <a:avLst/>
+          </a:prstGeom>
+          <a:noFill/>
+        </p:spPr>
+        <p:txBody>
+          <a:bodyPr wrap="square" rtlCol="0" anchor="t"/>
+          <a:lstStyle/>
+          <a:p>
+            <a:pPr marL="0" indent="0" algn="l">
+              <a:lnSpc>
+                <a:spcPts val="2645"/>
+              </a:lnSpc>
+              <a:buNone/>
+            </a:pPr>
+            <a:r>
+              <a:rPr lang="en-US" sz="1655" dirty="0">
+                <a:solidFill>
+                  <a:srgbClr val="3C3939"/>
+                </a:solidFill>
+                <a:latin typeface="Arial" panose="020B0604020202020204" pitchFamily="34" charset="0"/>
+                <a:ea typeface="Roboto" pitchFamily="34" charset="-122"/>
+                <a:cs typeface="Arial" panose="020B0604020202020204" pitchFamily="34" charset="0"/>
+              </a:rPr>
+              <a:t>Advanced models for contextual translation</a:t>
+            </a:r>
+            <a:endParaRPr lang="en-US" sz="1655" dirty="0">
+              <a:solidFill>
+                <a:srgbClr val="3C3939"/>
+              </a:solidFill>
+              <a:latin typeface="Arial" panose="020B0604020202020204" pitchFamily="34" charset="0"/>
+              <a:ea typeface="Roboto" pitchFamily="34" charset="-122"/>
+              <a:cs typeface="Arial" panose="020B0604020202020204" pitchFamily="34" charset="0"/>
+            </a:endParaRPr>
+          </a:p>
+        </p:txBody>
+      </p:sp>
+      <p:pic>
+        <p:nvPicPr>
+          <p:cNvPr id="9" name="Image 2" descr="preencoded.png"/>
+          <p:cNvPicPr>
+            <a:picLocks noChangeAspect="1"/>
+          </p:cNvPicPr>
+          <p:nvPr/>
+        </p:nvPicPr>
+        <p:blipFill>
+          <a:blip r:embed="rId3"/>
+          <a:stretch>
+            <a:fillRect/>
+          </a:stretch>
+        </p:blipFill>
+        <p:spPr>
+          <a:xfrm>
+            <a:off x="5402223" y="4503539"/>
+            <a:ext cx="3825835" cy="840462"/>
+          </a:xfrm>
+          <a:prstGeom prst="rect">
+            <a:avLst/>
+          </a:prstGeom>
+        </p:spPr>
+      </p:pic>
+      <p:sp>
+        <p:nvSpPr>
+          <p:cNvPr id="10" name="Text 5"/>
+          <p:cNvSpPr/>
+          <p:nvPr/>
+        </p:nvSpPr>
+        <p:spPr>
+          <a:xfrm>
+            <a:off x="5612249" y="5659160"/>
+            <a:ext cx="3405783" cy="656511"/>
+          </a:xfrm>
+          <a:prstGeom prst="rect">
+            <a:avLst/>
+          </a:prstGeom>
+          <a:noFill/>
+        </p:spPr>
+        <p:txBody>
+          <a:bodyPr wrap="square" rtlCol="0" anchor="t"/>
+          <a:lstStyle/>
+          <a:p>
+            <a:pPr marL="0" indent="0" algn="l">
+              <a:lnSpc>
+                <a:spcPts val="2585"/>
+              </a:lnSpc>
+              <a:buNone/>
+            </a:pPr>
+            <a:r>
+              <a:rPr lang="en-US" sz="2070" dirty="0">
+                <a:solidFill>
+                  <a:srgbClr val="3C3939"/>
+                </a:solidFill>
+                <a:latin typeface="Arial" panose="020B0604020202020204" pitchFamily="34" charset="0"/>
+                <a:ea typeface="Raleway" pitchFamily="34" charset="-122"/>
+                <a:cs typeface="Arial" panose="020B0604020202020204" pitchFamily="34" charset="0"/>
+              </a:rPr>
+              <a:t>Natural Language Processing</a:t>
+            </a:r>
+            <a:endParaRPr lang="en-US" sz="2070" dirty="0">
+              <a:solidFill>
+                <a:srgbClr val="3C3939"/>
+              </a:solidFill>
+              <a:latin typeface="Arial" panose="020B0604020202020204" pitchFamily="34" charset="0"/>
+              <a:ea typeface="Raleway" pitchFamily="34" charset="-122"/>
+              <a:cs typeface="Arial" panose="020B0604020202020204" pitchFamily="34" charset="0"/>
+            </a:endParaRPr>
+          </a:p>
+        </p:txBody>
+      </p:sp>
+      <p:sp>
+        <p:nvSpPr>
+          <p:cNvPr id="11" name="Text 6"/>
+          <p:cNvSpPr/>
+          <p:nvPr/>
+        </p:nvSpPr>
+        <p:spPr>
+          <a:xfrm>
+            <a:off x="5612249" y="6441638"/>
+            <a:ext cx="3405783" cy="672465"/>
+          </a:xfrm>
+          <a:prstGeom prst="rect">
+            <a:avLst/>
+          </a:prstGeom>
+          <a:noFill/>
+        </p:spPr>
+        <p:txBody>
+          <a:bodyPr wrap="square" rtlCol="0" anchor="t"/>
+          <a:lstStyle/>
+          <a:p>
+            <a:pPr marL="0" indent="0" algn="l">
+              <a:lnSpc>
+                <a:spcPts val="2645"/>
+              </a:lnSpc>
+              <a:buNone/>
+            </a:pPr>
+            <a:r>
+              <a:rPr lang="en-US" sz="1655" dirty="0">
+                <a:solidFill>
+                  <a:srgbClr val="3C3939"/>
+                </a:solidFill>
+                <a:latin typeface="Arial" panose="020B0604020202020204" pitchFamily="34" charset="0"/>
+                <a:ea typeface="Roboto" pitchFamily="34" charset="-122"/>
+                <a:cs typeface="Arial" panose="020B0604020202020204" pitchFamily="34" charset="0"/>
+              </a:rPr>
+              <a:t>Understand language structure and semantics</a:t>
+            </a:r>
+            <a:endParaRPr lang="en-US" sz="1655" dirty="0">
+              <a:solidFill>
+                <a:srgbClr val="3C3939"/>
+              </a:solidFill>
+              <a:latin typeface="Arial" panose="020B0604020202020204" pitchFamily="34" charset="0"/>
+              <a:ea typeface="Roboto" pitchFamily="34" charset="-122"/>
+              <a:cs typeface="Arial" panose="020B0604020202020204" pitchFamily="34" charset="0"/>
+            </a:endParaRPr>
+          </a:p>
+        </p:txBody>
+      </p:sp>
+      <p:pic>
+        <p:nvPicPr>
+          <p:cNvPr id="12" name="Image 3" descr="preencoded.png"/>
+          <p:cNvPicPr>
+            <a:picLocks noChangeAspect="1"/>
+          </p:cNvPicPr>
+          <p:nvPr/>
+        </p:nvPicPr>
+        <p:blipFill>
+          <a:blip r:embed="rId4"/>
+          <a:stretch>
+            <a:fillRect/>
+          </a:stretch>
+        </p:blipFill>
+        <p:spPr>
+          <a:xfrm>
+            <a:off x="9228058" y="4503539"/>
+            <a:ext cx="3825954" cy="840462"/>
+          </a:xfrm>
+          <a:prstGeom prst="rect">
+            <a:avLst/>
+          </a:prstGeom>
+        </p:spPr>
+      </p:pic>
+      <p:sp>
+        <p:nvSpPr>
+          <p:cNvPr id="13" name="Text 7"/>
+          <p:cNvSpPr/>
+          <p:nvPr/>
+        </p:nvSpPr>
+        <p:spPr>
+          <a:xfrm>
+            <a:off x="9438084" y="5659160"/>
+            <a:ext cx="2626400" cy="328255"/>
+          </a:xfrm>
+          <a:prstGeom prst="rect">
+            <a:avLst/>
+          </a:prstGeom>
+          <a:noFill/>
+        </p:spPr>
+        <p:txBody>
+          <a:bodyPr wrap="none" rtlCol="0" anchor="t"/>
+          <a:lstStyle/>
+          <a:p>
+            <a:pPr marL="0" indent="0" algn="l">
+              <a:lnSpc>
+                <a:spcPts val="2585"/>
+              </a:lnSpc>
+              <a:buNone/>
+            </a:pPr>
+            <a:r>
+              <a:rPr lang="en-US" sz="2070" dirty="0">
+                <a:solidFill>
+                  <a:srgbClr val="3C3939"/>
+                </a:solidFill>
+                <a:latin typeface="Arial" panose="020B0604020202020204" pitchFamily="34" charset="0"/>
+                <a:ea typeface="Raleway" pitchFamily="34" charset="-122"/>
+                <a:cs typeface="Arial" panose="020B0604020202020204" pitchFamily="34" charset="0"/>
+              </a:rPr>
+              <a:t>Machine Learning</a:t>
+            </a:r>
+            <a:endParaRPr lang="en-US" sz="2070" dirty="0">
+              <a:solidFill>
+                <a:srgbClr val="3C3939"/>
+              </a:solidFill>
+              <a:latin typeface="Arial" panose="020B0604020202020204" pitchFamily="34" charset="0"/>
+              <a:ea typeface="Raleway" pitchFamily="34" charset="-122"/>
+              <a:cs typeface="Arial" panose="020B0604020202020204" pitchFamily="34" charset="0"/>
+            </a:endParaRPr>
+          </a:p>
+        </p:txBody>
+      </p:sp>
+      <p:sp>
+        <p:nvSpPr>
+          <p:cNvPr id="14" name="Text 8"/>
+          <p:cNvSpPr/>
+          <p:nvPr/>
+        </p:nvSpPr>
+        <p:spPr>
+          <a:xfrm>
+            <a:off x="9438084" y="6113383"/>
+            <a:ext cx="3405902" cy="672465"/>
+          </a:xfrm>
+          <a:prstGeom prst="rect">
+            <a:avLst/>
+          </a:prstGeom>
+          <a:noFill/>
+        </p:spPr>
+        <p:txBody>
+          <a:bodyPr wrap="square" rtlCol="0" anchor="t"/>
+          <a:lstStyle/>
+          <a:p>
+            <a:pPr marL="0" indent="0" algn="l">
+              <a:lnSpc>
+                <a:spcPts val="2645"/>
+              </a:lnSpc>
+              <a:buNone/>
+            </a:pPr>
+            <a:r>
+              <a:rPr lang="en-US" sz="1655" dirty="0">
+                <a:solidFill>
+                  <a:srgbClr val="3C3939"/>
+                </a:solidFill>
+                <a:latin typeface="Arial" panose="020B0604020202020204" pitchFamily="34" charset="0"/>
+                <a:ea typeface="Roboto" pitchFamily="34" charset="-122"/>
+                <a:cs typeface="Arial" panose="020B0604020202020204" pitchFamily="34" charset="0"/>
+              </a:rPr>
+              <a:t>Continuous model improvement through training</a:t>
+            </a:r>
+            <a:endParaRPr lang="en-US" sz="1655" dirty="0">
+              <a:solidFill>
+                <a:srgbClr val="3C3939"/>
+              </a:solidFill>
+              <a:latin typeface="Arial" panose="020B0604020202020204" pitchFamily="34" charset="0"/>
+              <a:ea typeface="Roboto" pitchFamily="34" charset="-122"/>
+              <a:cs typeface="Arial" panose="020B0604020202020204" pitchFamily="34" charset="0"/>
+            </a:endParaRPr>
+          </a:p>
+        </p:txBody>
+      </p:sp>
+    </p:spTree>
+  </p:cSld>
+  <p:clrMapOvr>
+    <a:masterClrMapping/>
+  </p:clrMapOvr>
+</p:sld>
+</file>
+
+<file path=ppt/slides/slide7.xml><?xml version="1.0" encoding="utf-8"?>
+<p:sld xmlns:a="http://schemas.openxmlformats.org/drawingml/2006/main" xmlns:r="http://schemas.openxmlformats.org/officeDocument/2006/relationships" xmlns:p="http://schemas.openxmlformats.org/presentationml/2006/main">
+  <p:cSld>
+    <p:spTree>
+      <p:nvGrpSpPr>
+        <p:cNvPr id="1" name=""/>
+        <p:cNvGrpSpPr/>
+        <p:nvPr/>
+      </p:nvGrpSpPr>
+      <p:grpSpPr>
+        <a:xfrm>
+          <a:off x="0" y="0"/>
+          <a:ext cx="0" cy="0"/>
+          <a:chOff x="0" y="0"/>
+          <a:chExt cx="0" cy="0"/>
+        </a:xfrm>
+      </p:grpSpPr>
+      <p:sp>
+        <p:nvSpPr>
+          <p:cNvPr id="2" name="Shape 0"/>
+          <p:cNvSpPr/>
+          <p:nvPr/>
+        </p:nvSpPr>
+        <p:spPr>
+          <a:xfrm>
+            <a:off x="0" y="0"/>
+            <a:ext cx="14630400" cy="8229600"/>
+          </a:xfrm>
+          <a:prstGeom prst="rect">
+            <a:avLst/>
+          </a:prstGeom>
+          <a:solidFill>
+            <a:srgbClr val="ECECF3"/>
+          </a:solidFill>
+        </p:spPr>
+      </p:sp>
+      <p:sp>
+        <p:nvSpPr>
+          <p:cNvPr id="3" name="Shape 1"/>
+          <p:cNvSpPr/>
+          <p:nvPr/>
+        </p:nvSpPr>
+        <p:spPr>
+          <a:xfrm>
+            <a:off x="0" y="0"/>
+            <a:ext cx="14630400" cy="8229600"/>
+          </a:xfrm>
+          <a:prstGeom prst="rect">
+            <a:avLst/>
+          </a:prstGeom>
+          <a:solidFill>
+            <a:srgbClr val="FFFFFF">
+              <a:alpha val="75000"/>
+            </a:srgbClr>
+          </a:solidFill>
+        </p:spPr>
+      </p:sp>
+      <p:pic>
+        <p:nvPicPr>
+          <p:cNvPr id="4" name="Image 0" descr="preencoded.png"/>
+          <p:cNvPicPr>
+            <a:picLocks noChangeAspect="1"/>
+          </p:cNvPicPr>
+          <p:nvPr/>
+        </p:nvPicPr>
+        <p:blipFill>
+          <a:blip r:embed="rId1"/>
+          <a:stretch>
+            <a:fillRect/>
+          </a:stretch>
+        </p:blipFill>
+        <p:spPr>
+          <a:xfrm>
+            <a:off x="0" y="0"/>
             <a:ext cx="5486400" cy="8229600"/>
           </a:xfrm>
           <a:prstGeom prst="rect">
@@ -4714,7 +4955,7 @@
 </p:sld>
 </file>
 
-<file path=ppt/slides/slide7.xml><?xml version="1.0" encoding="utf-8"?>
+<file path=ppt/slides/slide8.xml><?xml version="1.0" encoding="utf-8"?>
 <p:sld xmlns:a="http://schemas.openxmlformats.org/drawingml/2006/main" xmlns:r="http://schemas.openxmlformats.org/officeDocument/2006/relationships" xmlns:p="http://schemas.openxmlformats.org/presentationml/2006/main">
   <p:cSld>
     <p:spTree>
